--- a/將天敞開(崇拜版).pptx
+++ b/將天敞開(崇拜版).pptx
@@ -7,9 +7,10 @@
   <p:sldIdLst>
     <p:sldId id="256" r:id="rId2"/>
     <p:sldId id="257" r:id="rId3"/>
-    <p:sldId id="258" r:id="rId4"/>
+    <p:sldId id="259" r:id="rId4"/>
+    <p:sldId id="258" r:id="rId5"/>
   </p:sldIdLst>
-  <p:sldSz cx="9144000" cy="6858000" type="screen4x3"/>
+  <p:sldSz cx="9144000" cy="5143500" type="screen16x9"/>
   <p:notesSz cx="6858000" cy="9144000"/>
   <p:defaultTextStyle>
     <a:defPPr>
@@ -138,8 +139,8 @@
         </p:nvSpPr>
         <p:spPr>
           <a:xfrm>
-            <a:off x="685800" y="2130425"/>
-            <a:ext cx="7772400" cy="1470025"/>
+            <a:off x="685800" y="1597819"/>
+            <a:ext cx="7772400" cy="1102519"/>
           </a:xfrm>
         </p:spPr>
         <p:txBody>
@@ -166,8 +167,8 @@
         </p:nvSpPr>
         <p:spPr>
           <a:xfrm>
-            <a:off x="1371600" y="3886200"/>
-            <a:ext cx="6400800" cy="1752600"/>
+            <a:off x="1371600" y="2914650"/>
+            <a:ext cx="6400800" cy="1314450"/>
           </a:xfrm>
         </p:spPr>
         <p:txBody>
@@ -290,7 +291,7 @@
           <a:p>
             <a:fld id="{5F26EBDC-56AC-4702-A4F8-17F9FEC4370F}" type="datetimeFigureOut">
               <a:rPr lang="zh-TW" altLang="en-US" smtClean="0"/>
-              <a:t>2017/8/20</a:t>
+              <a:t>2019/9/13</a:t>
             </a:fld>
             <a:endParaRPr lang="zh-TW" altLang="en-US"/>
           </a:p>
@@ -455,7 +456,7 @@
           <a:p>
             <a:fld id="{5F26EBDC-56AC-4702-A4F8-17F9FEC4370F}" type="datetimeFigureOut">
               <a:rPr lang="zh-TW" altLang="en-US" smtClean="0"/>
-              <a:t>2017/8/20</a:t>
+              <a:t>2019/9/13</a:t>
             </a:fld>
             <a:endParaRPr lang="zh-TW" altLang="en-US"/>
           </a:p>
@@ -540,8 +541,8 @@
         </p:nvSpPr>
         <p:spPr>
           <a:xfrm>
-            <a:off x="6629400" y="274638"/>
-            <a:ext cx="2057400" cy="5851525"/>
+            <a:off x="6629400" y="205979"/>
+            <a:ext cx="2057400" cy="4388644"/>
           </a:xfrm>
         </p:spPr>
         <p:txBody>
@@ -568,8 +569,8 @@
         </p:nvSpPr>
         <p:spPr>
           <a:xfrm>
-            <a:off x="457200" y="274638"/>
-            <a:ext cx="6019800" cy="5851525"/>
+            <a:off x="457200" y="205979"/>
+            <a:ext cx="6019800" cy="4388644"/>
           </a:xfrm>
         </p:spPr>
         <p:txBody>
@@ -630,7 +631,7 @@
           <a:p>
             <a:fld id="{5F26EBDC-56AC-4702-A4F8-17F9FEC4370F}" type="datetimeFigureOut">
               <a:rPr lang="zh-TW" altLang="en-US" smtClean="0"/>
-              <a:t>2017/8/20</a:t>
+              <a:t>2019/9/13</a:t>
             </a:fld>
             <a:endParaRPr lang="zh-TW" altLang="en-US"/>
           </a:p>
@@ -795,7 +796,7 @@
           <a:p>
             <a:fld id="{5F26EBDC-56AC-4702-A4F8-17F9FEC4370F}" type="datetimeFigureOut">
               <a:rPr lang="zh-TW" altLang="en-US" smtClean="0"/>
-              <a:t>2017/8/20</a:t>
+              <a:t>2019/9/13</a:t>
             </a:fld>
             <a:endParaRPr lang="zh-TW" altLang="en-US"/>
           </a:p>
@@ -880,8 +881,8 @@
         </p:nvSpPr>
         <p:spPr>
           <a:xfrm>
-            <a:off x="722313" y="4406900"/>
-            <a:ext cx="7772400" cy="1362075"/>
+            <a:off x="722313" y="3305176"/>
+            <a:ext cx="7772400" cy="1021556"/>
           </a:xfrm>
         </p:spPr>
         <p:txBody>
@@ -912,8 +913,8 @@
         </p:nvSpPr>
         <p:spPr>
           <a:xfrm>
-            <a:off x="722313" y="2906713"/>
-            <a:ext cx="7772400" cy="1500187"/>
+            <a:off x="722313" y="2180035"/>
+            <a:ext cx="7772400" cy="1125140"/>
           </a:xfrm>
         </p:spPr>
         <p:txBody>
@@ -1036,7 +1037,7 @@
           <a:p>
             <a:fld id="{5F26EBDC-56AC-4702-A4F8-17F9FEC4370F}" type="datetimeFigureOut">
               <a:rPr lang="zh-TW" altLang="en-US" smtClean="0"/>
-              <a:t>2017/8/20</a:t>
+              <a:t>2019/9/13</a:t>
             </a:fld>
             <a:endParaRPr lang="zh-TW" altLang="en-US"/>
           </a:p>
@@ -1144,8 +1145,8 @@
         </p:nvSpPr>
         <p:spPr>
           <a:xfrm>
-            <a:off x="457200" y="1600200"/>
-            <a:ext cx="4038600" cy="4525963"/>
+            <a:off x="457200" y="1200151"/>
+            <a:ext cx="4038600" cy="3394472"/>
           </a:xfrm>
         </p:spPr>
         <p:txBody>
@@ -1229,8 +1230,8 @@
         </p:nvSpPr>
         <p:spPr>
           <a:xfrm>
-            <a:off x="4648200" y="1600200"/>
-            <a:ext cx="4038600" cy="4525963"/>
+            <a:off x="4648200" y="1200151"/>
+            <a:ext cx="4038600" cy="3394472"/>
           </a:xfrm>
         </p:spPr>
         <p:txBody>
@@ -1319,7 +1320,7 @@
           <a:p>
             <a:fld id="{5F26EBDC-56AC-4702-A4F8-17F9FEC4370F}" type="datetimeFigureOut">
               <a:rPr lang="zh-TW" altLang="en-US" smtClean="0"/>
-              <a:t>2017/8/20</a:t>
+              <a:t>2019/9/13</a:t>
             </a:fld>
             <a:endParaRPr lang="zh-TW" altLang="en-US"/>
           </a:p>
@@ -1431,8 +1432,8 @@
         </p:nvSpPr>
         <p:spPr>
           <a:xfrm>
-            <a:off x="457200" y="1535113"/>
-            <a:ext cx="4040188" cy="639762"/>
+            <a:off x="457200" y="1151335"/>
+            <a:ext cx="4040188" cy="479822"/>
           </a:xfrm>
         </p:spPr>
         <p:txBody>
@@ -1496,8 +1497,8 @@
         </p:nvSpPr>
         <p:spPr>
           <a:xfrm>
-            <a:off x="457200" y="2174875"/>
-            <a:ext cx="4040188" cy="3951288"/>
+            <a:off x="457200" y="1631156"/>
+            <a:ext cx="4040188" cy="2963466"/>
           </a:xfrm>
         </p:spPr>
         <p:txBody>
@@ -1581,8 +1582,8 @@
         </p:nvSpPr>
         <p:spPr>
           <a:xfrm>
-            <a:off x="4645025" y="1535113"/>
-            <a:ext cx="4041775" cy="639762"/>
+            <a:off x="4645026" y="1151335"/>
+            <a:ext cx="4041775" cy="479822"/>
           </a:xfrm>
         </p:spPr>
         <p:txBody>
@@ -1646,8 +1647,8 @@
         </p:nvSpPr>
         <p:spPr>
           <a:xfrm>
-            <a:off x="4645025" y="2174875"/>
-            <a:ext cx="4041775" cy="3951288"/>
+            <a:off x="4645026" y="1631156"/>
+            <a:ext cx="4041775" cy="2963466"/>
           </a:xfrm>
         </p:spPr>
         <p:txBody>
@@ -1736,7 +1737,7 @@
           <a:p>
             <a:fld id="{5F26EBDC-56AC-4702-A4F8-17F9FEC4370F}" type="datetimeFigureOut">
               <a:rPr lang="zh-TW" altLang="en-US" smtClean="0"/>
-              <a:t>2017/8/20</a:t>
+              <a:t>2019/9/13</a:t>
             </a:fld>
             <a:endParaRPr lang="zh-TW" altLang="en-US"/>
           </a:p>
@@ -1849,7 +1850,7 @@
           <a:p>
             <a:fld id="{5F26EBDC-56AC-4702-A4F8-17F9FEC4370F}" type="datetimeFigureOut">
               <a:rPr lang="zh-TW" altLang="en-US" smtClean="0"/>
-              <a:t>2017/8/20</a:t>
+              <a:t>2019/9/13</a:t>
             </a:fld>
             <a:endParaRPr lang="zh-TW" altLang="en-US"/>
           </a:p>
@@ -1939,7 +1940,7 @@
           <a:p>
             <a:fld id="{5F26EBDC-56AC-4702-A4F8-17F9FEC4370F}" type="datetimeFigureOut">
               <a:rPr lang="zh-TW" altLang="en-US" smtClean="0"/>
-              <a:t>2017/8/20</a:t>
+              <a:t>2019/9/13</a:t>
             </a:fld>
             <a:endParaRPr lang="zh-TW" altLang="en-US"/>
           </a:p>
@@ -2024,8 +2025,8 @@
         </p:nvSpPr>
         <p:spPr>
           <a:xfrm>
-            <a:off x="457200" y="273050"/>
-            <a:ext cx="3008313" cy="1162050"/>
+            <a:off x="457201" y="204787"/>
+            <a:ext cx="3008313" cy="871538"/>
           </a:xfrm>
         </p:spPr>
         <p:txBody>
@@ -2056,8 +2057,8 @@
         </p:nvSpPr>
         <p:spPr>
           <a:xfrm>
-            <a:off x="3575050" y="273050"/>
-            <a:ext cx="5111750" cy="5853113"/>
+            <a:off x="3575050" y="204788"/>
+            <a:ext cx="5111750" cy="4389835"/>
           </a:xfrm>
         </p:spPr>
         <p:txBody>
@@ -2141,8 +2142,8 @@
         </p:nvSpPr>
         <p:spPr>
           <a:xfrm>
-            <a:off x="457200" y="1435100"/>
-            <a:ext cx="3008313" cy="4691063"/>
+            <a:off x="457201" y="1076326"/>
+            <a:ext cx="3008313" cy="3518297"/>
           </a:xfrm>
         </p:spPr>
         <p:txBody>
@@ -2211,7 +2212,7 @@
           <a:p>
             <a:fld id="{5F26EBDC-56AC-4702-A4F8-17F9FEC4370F}" type="datetimeFigureOut">
               <a:rPr lang="zh-TW" altLang="en-US" smtClean="0"/>
-              <a:t>2017/8/20</a:t>
+              <a:t>2019/9/13</a:t>
             </a:fld>
             <a:endParaRPr lang="zh-TW" altLang="en-US"/>
           </a:p>
@@ -2296,8 +2297,8 @@
         </p:nvSpPr>
         <p:spPr>
           <a:xfrm>
-            <a:off x="1792288" y="4800600"/>
-            <a:ext cx="5486400" cy="566738"/>
+            <a:off x="1792288" y="3600450"/>
+            <a:ext cx="5486400" cy="425054"/>
           </a:xfrm>
         </p:spPr>
         <p:txBody>
@@ -2328,8 +2329,8 @@
         </p:nvSpPr>
         <p:spPr>
           <a:xfrm>
-            <a:off x="1792288" y="612775"/>
-            <a:ext cx="5486400" cy="4114800"/>
+            <a:off x="1792288" y="459581"/>
+            <a:ext cx="5486400" cy="3086100"/>
           </a:xfrm>
         </p:spPr>
         <p:txBody>
@@ -2393,8 +2394,8 @@
         </p:nvSpPr>
         <p:spPr>
           <a:xfrm>
-            <a:off x="1792288" y="5367338"/>
-            <a:ext cx="5486400" cy="804862"/>
+            <a:off x="1792288" y="4025503"/>
+            <a:ext cx="5486400" cy="603647"/>
           </a:xfrm>
         </p:spPr>
         <p:txBody>
@@ -2463,7 +2464,7 @@
           <a:p>
             <a:fld id="{5F26EBDC-56AC-4702-A4F8-17F9FEC4370F}" type="datetimeFigureOut">
               <a:rPr lang="zh-TW" altLang="en-US" smtClean="0"/>
-              <a:t>2017/8/20</a:t>
+              <a:t>2019/9/13</a:t>
             </a:fld>
             <a:endParaRPr lang="zh-TW" altLang="en-US"/>
           </a:p>
@@ -2558,8 +2559,8 @@
         </p:nvSpPr>
         <p:spPr>
           <a:xfrm>
-            <a:off x="457200" y="274638"/>
-            <a:ext cx="8229600" cy="1143000"/>
+            <a:off x="457200" y="205979"/>
+            <a:ext cx="8229600" cy="857250"/>
           </a:xfrm>
           <a:prstGeom prst="rect">
             <a:avLst/>
@@ -2591,8 +2592,8 @@
         </p:nvSpPr>
         <p:spPr>
           <a:xfrm>
-            <a:off x="457200" y="1600200"/>
-            <a:ext cx="8229600" cy="4525963"/>
+            <a:off x="457200" y="1200151"/>
+            <a:ext cx="8229600" cy="3394472"/>
           </a:xfrm>
           <a:prstGeom prst="rect">
             <a:avLst/>
@@ -2653,8 +2654,8 @@
         </p:nvSpPr>
         <p:spPr>
           <a:xfrm>
-            <a:off x="457200" y="6356350"/>
-            <a:ext cx="2133600" cy="365125"/>
+            <a:off x="457200" y="4767263"/>
+            <a:ext cx="2133600" cy="273844"/>
           </a:xfrm>
           <a:prstGeom prst="rect">
             <a:avLst/>
@@ -2676,7 +2677,7 @@
           <a:p>
             <a:fld id="{5F26EBDC-56AC-4702-A4F8-17F9FEC4370F}" type="datetimeFigureOut">
               <a:rPr lang="zh-TW" altLang="en-US" smtClean="0"/>
-              <a:t>2017/8/20</a:t>
+              <a:t>2019/9/13</a:t>
             </a:fld>
             <a:endParaRPr lang="zh-TW" altLang="en-US"/>
           </a:p>
@@ -2694,8 +2695,8 @@
         </p:nvSpPr>
         <p:spPr>
           <a:xfrm>
-            <a:off x="3124200" y="6356350"/>
-            <a:ext cx="2895600" cy="365125"/>
+            <a:off x="3124200" y="4767263"/>
+            <a:ext cx="2895600" cy="273844"/>
           </a:xfrm>
           <a:prstGeom prst="rect">
             <a:avLst/>
@@ -2731,8 +2732,8 @@
         </p:nvSpPr>
         <p:spPr>
           <a:xfrm>
-            <a:off x="6553200" y="6356350"/>
-            <a:ext cx="2133600" cy="365125"/>
+            <a:off x="6553200" y="4767263"/>
+            <a:ext cx="2133600" cy="273844"/>
           </a:xfrm>
           <a:prstGeom prst="rect">
             <a:avLst/>
@@ -3058,11 +3059,13 @@
         </p:nvSpPr>
         <p:spPr/>
         <p:txBody>
-          <a:bodyPr/>
-          <a:lstStyle/>
-          <a:p>
-            <a:r>
-              <a:rPr lang="zh-TW" altLang="en-US" b="1" dirty="0" smtClean="0">
+          <a:bodyPr>
+            <a:normAutofit/>
+          </a:bodyPr>
+          <a:lstStyle/>
+          <a:p>
+            <a:r>
+              <a:rPr lang="zh-TW" altLang="en-US" sz="4000" b="1" dirty="0" smtClean="0">
                 <a:solidFill>
                   <a:srgbClr val="000066"/>
                 </a:solidFill>
@@ -3071,7 +3074,7 @@
               </a:rPr>
               <a:t>將天敞開</a:t>
             </a:r>
-            <a:endParaRPr lang="zh-TW" altLang="en-US" b="1" dirty="0">
+            <a:endParaRPr lang="zh-TW" altLang="en-US" sz="4000" b="1" dirty="0">
               <a:solidFill>
                 <a:srgbClr val="000066"/>
               </a:solidFill>
@@ -3093,8 +3096,8 @@
         </p:nvSpPr>
         <p:spPr>
           <a:xfrm>
-            <a:off x="0" y="1600200"/>
-            <a:ext cx="9144000" cy="5257800"/>
+            <a:off x="0" y="1200150"/>
+            <a:ext cx="9144000" cy="3943350"/>
           </a:xfrm>
         </p:spPr>
         <p:txBody>
@@ -3107,7 +3110,7 @@
               <a:buNone/>
             </a:pPr>
             <a:r>
-              <a:rPr lang="zh-TW" altLang="en-US" sz="5400" b="1" dirty="0">
+              <a:rPr lang="zh-TW" altLang="en-US" sz="4800" b="1" dirty="0">
                 <a:solidFill>
                   <a:srgbClr val="000066"/>
                 </a:solidFill>
@@ -3117,7 +3120,7 @@
               <a:t>將天</a:t>
             </a:r>
             <a:r>
-              <a:rPr lang="zh-TW" altLang="en-US" sz="5400" b="1" dirty="0" smtClean="0">
+              <a:rPr lang="zh-TW" altLang="en-US" sz="4800" b="1" dirty="0" smtClean="0">
                 <a:solidFill>
                   <a:srgbClr val="000066"/>
                 </a:solidFill>
@@ -3127,7 +3130,7 @@
               <a:t>敞開  你</a:t>
             </a:r>
             <a:r>
-              <a:rPr lang="zh-TW" altLang="en-US" sz="5400" b="1" dirty="0">
+              <a:rPr lang="zh-TW" altLang="en-US" sz="4800" b="1" dirty="0">
                 <a:solidFill>
                   <a:srgbClr val="000066"/>
                 </a:solidFill>
@@ -3137,7 +3140,7 @@
               <a:t>的榮耀降下</a:t>
             </a:r>
             <a:r>
-              <a:rPr lang="zh-TW" altLang="en-US" sz="5400" b="1" dirty="0" smtClean="0">
+              <a:rPr lang="zh-TW" altLang="en-US" sz="4800" b="1" dirty="0" smtClean="0">
                 <a:solidFill>
                   <a:srgbClr val="000066"/>
                 </a:solidFill>
@@ -3146,7 +3149,7 @@
               </a:rPr>
               <a:t>來</a:t>
             </a:r>
-            <a:endParaRPr lang="en-US" altLang="zh-TW" sz="5400" b="1" dirty="0" smtClean="0">
+            <a:endParaRPr lang="en-US" altLang="zh-TW" sz="4800" b="1" dirty="0" smtClean="0">
               <a:solidFill>
                 <a:srgbClr val="000066"/>
               </a:solidFill>
@@ -3159,7 +3162,7 @@
               <a:buNone/>
             </a:pPr>
             <a:r>
-              <a:rPr lang="zh-TW" altLang="en-US" sz="5400" b="1" dirty="0" smtClean="0">
+              <a:rPr lang="zh-TW" altLang="en-US" sz="4800" b="1" dirty="0" smtClean="0">
                 <a:solidFill>
                   <a:srgbClr val="000066"/>
                 </a:solidFill>
@@ -3169,7 +3172,7 @@
               <a:t>將</a:t>
             </a:r>
             <a:r>
-              <a:rPr lang="zh-TW" altLang="en-US" sz="5400" b="1" dirty="0">
+              <a:rPr lang="zh-TW" altLang="en-US" sz="4800" b="1" dirty="0">
                 <a:solidFill>
                   <a:srgbClr val="000066"/>
                 </a:solidFill>
@@ -3179,7 +3182,7 @@
               <a:t>天</a:t>
             </a:r>
             <a:r>
-              <a:rPr lang="zh-TW" altLang="en-US" sz="5400" b="1" dirty="0" smtClean="0">
+              <a:rPr lang="zh-TW" altLang="en-US" sz="4800" b="1" dirty="0" smtClean="0">
                 <a:solidFill>
                   <a:srgbClr val="000066"/>
                 </a:solidFill>
@@ -3189,7 +3192,7 @@
               <a:t>敞開  你</a:t>
             </a:r>
             <a:r>
-              <a:rPr lang="zh-TW" altLang="en-US" sz="5400" b="1" dirty="0">
+              <a:rPr lang="zh-TW" altLang="en-US" sz="4800" b="1" dirty="0">
                 <a:solidFill>
                   <a:srgbClr val="000066"/>
                 </a:solidFill>
@@ -3199,7 +3202,7 @@
               <a:t>的同在降下</a:t>
             </a:r>
             <a:r>
-              <a:rPr lang="zh-TW" altLang="en-US" sz="5400" b="1" dirty="0" smtClean="0">
+              <a:rPr lang="zh-TW" altLang="en-US" sz="4800" b="1" dirty="0" smtClean="0">
                 <a:solidFill>
                   <a:srgbClr val="000066"/>
                 </a:solidFill>
@@ -3208,7 +3211,7 @@
               </a:rPr>
               <a:t>來</a:t>
             </a:r>
-            <a:endParaRPr lang="en-US" altLang="zh-TW" sz="5400" b="1" dirty="0">
+            <a:endParaRPr lang="en-US" altLang="zh-TW" sz="4800" b="1" dirty="0">
               <a:solidFill>
                 <a:srgbClr val="000066"/>
               </a:solidFill>
@@ -3221,7 +3224,7 @@
               <a:buNone/>
             </a:pPr>
             <a:r>
-              <a:rPr lang="zh-TW" altLang="en-US" sz="5400" b="1" dirty="0" smtClean="0">
+              <a:rPr lang="zh-TW" altLang="en-US" sz="4800" b="1" dirty="0" smtClean="0">
                 <a:solidFill>
                   <a:srgbClr val="000066"/>
                 </a:solidFill>
@@ -3231,7 +3234,7 @@
               <a:t>將</a:t>
             </a:r>
             <a:r>
-              <a:rPr lang="zh-TW" altLang="en-US" sz="5400" b="1" dirty="0">
+              <a:rPr lang="zh-TW" altLang="en-US" sz="4800" b="1" dirty="0">
                 <a:solidFill>
                   <a:srgbClr val="000066"/>
                 </a:solidFill>
@@ -3241,7 +3244,7 @@
               <a:t>天</a:t>
             </a:r>
             <a:r>
-              <a:rPr lang="zh-TW" altLang="en-US" sz="5400" b="1" dirty="0" smtClean="0">
+              <a:rPr lang="zh-TW" altLang="en-US" sz="4800" b="1" dirty="0" smtClean="0">
                 <a:solidFill>
                   <a:srgbClr val="000066"/>
                 </a:solidFill>
@@ -3251,7 +3254,7 @@
               <a:t>敞開  你</a:t>
             </a:r>
             <a:r>
-              <a:rPr lang="zh-TW" altLang="en-US" sz="5400" b="1" dirty="0">
+              <a:rPr lang="zh-TW" altLang="en-US" sz="4800" b="1" dirty="0">
                 <a:solidFill>
                   <a:srgbClr val="000066"/>
                 </a:solidFill>
@@ -3261,7 +3264,7 @@
               <a:t>的榮耀降下</a:t>
             </a:r>
             <a:r>
-              <a:rPr lang="zh-TW" altLang="en-US" sz="5400" b="1" dirty="0" smtClean="0">
+              <a:rPr lang="zh-TW" altLang="en-US" sz="4800" b="1" dirty="0" smtClean="0">
                 <a:solidFill>
                   <a:srgbClr val="000066"/>
                 </a:solidFill>
@@ -3270,7 +3273,7 @@
               </a:rPr>
               <a:t>來</a:t>
             </a:r>
-            <a:endParaRPr lang="en-US" altLang="zh-TW" sz="5400" b="1" dirty="0" smtClean="0">
+            <a:endParaRPr lang="en-US" altLang="zh-TW" sz="4800" b="1" dirty="0" smtClean="0">
               <a:solidFill>
                 <a:srgbClr val="000066"/>
               </a:solidFill>
@@ -3283,7 +3286,7 @@
               <a:buNone/>
             </a:pPr>
             <a:r>
-              <a:rPr lang="zh-TW" altLang="en-US" sz="5400" b="1" dirty="0" smtClean="0">
+              <a:rPr lang="zh-TW" altLang="en-US" sz="4800" b="1" dirty="0" smtClean="0">
                 <a:solidFill>
                   <a:srgbClr val="000066"/>
                 </a:solidFill>
@@ -3293,7 +3296,7 @@
               <a:t>萬國</a:t>
             </a:r>
             <a:r>
-              <a:rPr lang="zh-TW" altLang="en-US" sz="5400" b="1" dirty="0">
+              <a:rPr lang="zh-TW" altLang="en-US" sz="4800" b="1" dirty="0">
                 <a:solidFill>
                   <a:srgbClr val="000066"/>
                 </a:solidFill>
@@ -3303,7 +3306,7 @@
               <a:t>讚嘆</a:t>
             </a:r>
             <a:r>
-              <a:rPr lang="zh-TW" altLang="en-US" sz="5400" b="1" dirty="0" smtClean="0">
+              <a:rPr lang="zh-TW" altLang="en-US" sz="4800" b="1" dirty="0" smtClean="0">
                 <a:solidFill>
                   <a:srgbClr val="000066"/>
                 </a:solidFill>
@@ -3313,7 +3316,7 @@
               <a:t>你  你</a:t>
             </a:r>
             <a:r>
-              <a:rPr lang="zh-TW" altLang="en-US" sz="5400" b="1" dirty="0">
+              <a:rPr lang="zh-TW" altLang="en-US" sz="4800" b="1" dirty="0">
                 <a:solidFill>
                   <a:srgbClr val="000066"/>
                 </a:solidFill>
@@ -3362,11 +3365,13 @@
         </p:nvSpPr>
         <p:spPr/>
         <p:txBody>
-          <a:bodyPr/>
-          <a:lstStyle/>
-          <a:p>
-            <a:r>
-              <a:rPr lang="zh-TW" altLang="en-US" b="1" dirty="0" smtClean="0">
+          <a:bodyPr>
+            <a:normAutofit/>
+          </a:bodyPr>
+          <a:lstStyle/>
+          <a:p>
+            <a:r>
+              <a:rPr lang="zh-TW" altLang="en-US" sz="4000" b="1" dirty="0">
                 <a:solidFill>
                   <a:srgbClr val="000066"/>
                 </a:solidFill>
@@ -3375,7 +3380,7 @@
               </a:rPr>
               <a:t>將天敞開</a:t>
             </a:r>
-            <a:endParaRPr lang="zh-TW" altLang="en-US" b="1" dirty="0">
+            <a:endParaRPr lang="zh-TW" altLang="en-US" sz="4000" b="1" dirty="0">
               <a:solidFill>
                 <a:srgbClr val="000066"/>
               </a:solidFill>
@@ -3397,8 +3402,8 @@
         </p:nvSpPr>
         <p:spPr>
           <a:xfrm>
-            <a:off x="0" y="1600200"/>
-            <a:ext cx="9144000" cy="5257800"/>
+            <a:off x="0" y="1200150"/>
+            <a:ext cx="9144000" cy="3943350"/>
           </a:xfrm>
         </p:spPr>
         <p:txBody>
@@ -3411,7 +3416,7 @@
               <a:buNone/>
             </a:pPr>
             <a:r>
-              <a:rPr lang="zh-TW" altLang="en-US" sz="5400" b="1" dirty="0">
+              <a:rPr lang="zh-TW" altLang="en-US" sz="4800" b="1" dirty="0">
                 <a:solidFill>
                   <a:srgbClr val="000066"/>
                 </a:solidFill>
@@ -3421,7 +3426,7 @@
               <a:t>天上</a:t>
             </a:r>
             <a:r>
-              <a:rPr lang="zh-TW" altLang="en-US" sz="5400" b="1" dirty="0" smtClean="0">
+              <a:rPr lang="zh-TW" altLang="en-US" sz="4800" b="1" dirty="0">
                 <a:solidFill>
                   <a:srgbClr val="000066"/>
                 </a:solidFill>
@@ -3431,7 +3436,7 @@
               <a:t>地下  合一</a:t>
             </a:r>
             <a:r>
-              <a:rPr lang="zh-TW" altLang="en-US" sz="5400" b="1" dirty="0">
+              <a:rPr lang="zh-TW" altLang="en-US" sz="4800" b="1" dirty="0">
                 <a:solidFill>
                   <a:srgbClr val="000066"/>
                 </a:solidFill>
@@ -3441,7 +3446,7 @@
               <a:t>敬</a:t>
             </a:r>
             <a:r>
-              <a:rPr lang="zh-TW" altLang="en-US" sz="5400" b="1" dirty="0" smtClean="0">
+              <a:rPr lang="zh-TW" altLang="en-US" sz="4800" b="1" dirty="0">
                 <a:solidFill>
                   <a:srgbClr val="000066"/>
                 </a:solidFill>
@@ -3450,7 +3455,7 @@
               </a:rPr>
               <a:t>拜</a:t>
             </a:r>
-            <a:endParaRPr lang="en-US" altLang="zh-TW" sz="5400" b="1" dirty="0" smtClean="0">
+            <a:endParaRPr lang="en-US" altLang="zh-TW" sz="4800" b="1" dirty="0">
               <a:solidFill>
                 <a:srgbClr val="000066"/>
               </a:solidFill>
@@ -3463,16 +3468,26 @@
               <a:buNone/>
             </a:pPr>
             <a:r>
-              <a:rPr lang="zh-TW" altLang="en-US" sz="5400" b="1" dirty="0" smtClean="0">
-                <a:solidFill>
-                  <a:srgbClr val="000066"/>
-                </a:solidFill>
-                <a:latin typeface="微軟正黑體" pitchFamily="34" charset="-120"/>
-                <a:ea typeface="微軟正黑體" pitchFamily="34" charset="-120"/>
-              </a:rPr>
-              <a:t>歡呼耶穌基督  聖潔羔羊</a:t>
-            </a:r>
-            <a:endParaRPr lang="en-US" altLang="zh-TW" sz="5400" b="1" dirty="0" smtClean="0">
+              <a:rPr lang="zh-TW" altLang="en-US" sz="4800" b="1" dirty="0">
+                <a:solidFill>
+                  <a:srgbClr val="000066"/>
+                </a:solidFill>
+                <a:latin typeface="微軟正黑體" pitchFamily="34" charset="-120"/>
+                <a:ea typeface="微軟正黑體" pitchFamily="34" charset="-120"/>
+              </a:rPr>
+              <a:t>歡呼耶穌基督  聖潔羔</a:t>
+            </a:r>
+            <a:r>
+              <a:rPr lang="zh-TW" altLang="en-US" sz="4800" b="1" dirty="0" smtClean="0">
+                <a:solidFill>
+                  <a:srgbClr val="000066"/>
+                </a:solidFill>
+                <a:latin typeface="微軟正黑體" pitchFamily="34" charset="-120"/>
+                <a:ea typeface="微軟正黑體" pitchFamily="34" charset="-120"/>
+              </a:rPr>
+              <a:t>羊</a:t>
+            </a:r>
+            <a:endParaRPr lang="en-US" altLang="zh-TW" sz="4800" b="1" dirty="0" smtClean="0">
               <a:solidFill>
                 <a:srgbClr val="000066"/>
               </a:solidFill>
@@ -3485,129 +3500,22 @@
               <a:buNone/>
             </a:pPr>
             <a:r>
-              <a:rPr lang="zh-TW" altLang="en-US" sz="5400" b="1" dirty="0" smtClean="0">
-                <a:solidFill>
-                  <a:srgbClr val="000066"/>
-                </a:solidFill>
-                <a:latin typeface="微軟正黑體" pitchFamily="34" charset="-120"/>
-                <a:ea typeface="微軟正黑體" pitchFamily="34" charset="-120"/>
-              </a:rPr>
-              <a:t>榮耀</a:t>
-            </a:r>
-            <a:r>
-              <a:rPr lang="zh-TW" altLang="en-US" sz="5400" b="1" dirty="0">
-                <a:solidFill>
-                  <a:srgbClr val="000066"/>
-                </a:solidFill>
-                <a:latin typeface="微軟正黑體" pitchFamily="34" charset="-120"/>
-                <a:ea typeface="微軟正黑體" pitchFamily="34" charset="-120"/>
-              </a:rPr>
-              <a:t>歸於</a:t>
-            </a:r>
-            <a:r>
-              <a:rPr lang="zh-TW" altLang="en-US" sz="5400" b="1" dirty="0" smtClean="0">
-                <a:solidFill>
-                  <a:srgbClr val="000066"/>
-                </a:solidFill>
-                <a:latin typeface="微軟正黑體" pitchFamily="34" charset="-120"/>
-                <a:ea typeface="微軟正黑體" pitchFamily="34" charset="-120"/>
-              </a:rPr>
-              <a:t>你</a:t>
-            </a:r>
-            <a:endParaRPr lang="en-US" altLang="zh-TW" sz="5400" b="1" dirty="0">
+              <a:rPr lang="zh-TW" altLang="en-US" sz="4800" b="1" dirty="0" smtClean="0">
+                <a:solidFill>
+                  <a:srgbClr val="000066"/>
+                </a:solidFill>
+                <a:latin typeface="微軟正黑體" pitchFamily="34" charset="-120"/>
+                <a:ea typeface="微軟正黑體" pitchFamily="34" charset="-120"/>
+              </a:rPr>
+              <a:t>榮耀歸於你</a:t>
+            </a:r>
+            <a:endParaRPr lang="en-US" altLang="zh-TW" sz="4800" b="1" dirty="0" smtClean="0">
               <a:solidFill>
                 <a:srgbClr val="000066"/>
               </a:solidFill>
               <a:latin typeface="微軟正黑體" pitchFamily="34" charset="-120"/>
               <a:ea typeface="微軟正黑體" pitchFamily="34" charset="-120"/>
             </a:endParaRPr>
-          </a:p>
-          <a:p>
-            <a:pPr algn="ctr">
-              <a:buNone/>
-            </a:pPr>
-            <a:r>
-              <a:rPr lang="zh-TW" altLang="en-US" sz="5400" b="1" dirty="0" smtClean="0">
-                <a:solidFill>
-                  <a:srgbClr val="000066"/>
-                </a:solidFill>
-                <a:latin typeface="微軟正黑體" pitchFamily="34" charset="-120"/>
-                <a:ea typeface="微軟正黑體" pitchFamily="34" charset="-120"/>
-              </a:rPr>
-              <a:t>天上地下  在</a:t>
-            </a:r>
-            <a:r>
-              <a:rPr lang="zh-TW" altLang="en-US" sz="5400" b="1" dirty="0">
-                <a:solidFill>
-                  <a:srgbClr val="000066"/>
-                </a:solidFill>
-                <a:latin typeface="微軟正黑體" pitchFamily="34" charset="-120"/>
-                <a:ea typeface="微軟正黑體" pitchFamily="34" charset="-120"/>
-              </a:rPr>
-              <a:t>永恆裡敬</a:t>
-            </a:r>
-            <a:r>
-              <a:rPr lang="zh-TW" altLang="en-US" sz="5400" b="1" dirty="0" smtClean="0">
-                <a:solidFill>
-                  <a:srgbClr val="000066"/>
-                </a:solidFill>
-                <a:latin typeface="微軟正黑體" pitchFamily="34" charset="-120"/>
-                <a:ea typeface="微軟正黑體" pitchFamily="34" charset="-120"/>
-              </a:rPr>
-              <a:t>拜</a:t>
-            </a:r>
-            <a:endParaRPr lang="en-US" altLang="zh-TW" sz="5400" b="1" dirty="0" smtClean="0">
-              <a:solidFill>
-                <a:srgbClr val="000066"/>
-              </a:solidFill>
-              <a:latin typeface="微軟正黑體" pitchFamily="34" charset="-120"/>
-              <a:ea typeface="微軟正黑體" pitchFamily="34" charset="-120"/>
-            </a:endParaRPr>
-          </a:p>
-          <a:p>
-            <a:pPr algn="ctr">
-              <a:buNone/>
-            </a:pPr>
-            <a:r>
-              <a:rPr lang="zh-TW" altLang="en-US" sz="5400" b="1" dirty="0" smtClean="0">
-                <a:solidFill>
-                  <a:srgbClr val="000066"/>
-                </a:solidFill>
-                <a:latin typeface="微軟正黑體" pitchFamily="34" charset="-120"/>
-                <a:ea typeface="微軟正黑體" pitchFamily="34" charset="-120"/>
-              </a:rPr>
-              <a:t>哈</a:t>
-            </a:r>
-            <a:r>
-              <a:rPr lang="zh-TW" altLang="en-US" sz="5400" b="1" dirty="0">
-                <a:solidFill>
-                  <a:srgbClr val="000066"/>
-                </a:solidFill>
-                <a:latin typeface="微軟正黑體" pitchFamily="34" charset="-120"/>
-                <a:ea typeface="微軟正黑體" pitchFamily="34" charset="-120"/>
-              </a:rPr>
-              <a:t>利路</a:t>
-            </a:r>
-            <a:r>
-              <a:rPr lang="zh-TW" altLang="en-US" sz="5400" b="1" dirty="0" smtClean="0">
-                <a:solidFill>
-                  <a:srgbClr val="000066"/>
-                </a:solidFill>
-                <a:latin typeface="微軟正黑體" pitchFamily="34" charset="-120"/>
-                <a:ea typeface="微軟正黑體" pitchFamily="34" charset="-120"/>
-              </a:rPr>
-              <a:t>亞  哈</a:t>
-            </a:r>
-            <a:r>
-              <a:rPr lang="zh-TW" altLang="en-US" sz="5400" b="1" dirty="0">
-                <a:solidFill>
-                  <a:srgbClr val="000066"/>
-                </a:solidFill>
-                <a:latin typeface="微軟正黑體" pitchFamily="34" charset="-120"/>
-                <a:ea typeface="微軟正黑體" pitchFamily="34" charset="-120"/>
-              </a:rPr>
-              <a:t>利路亞</a:t>
-            </a:r>
           </a:p>
         </p:txBody>
       </p:sp>
@@ -3648,11 +3556,13 @@
         </p:nvSpPr>
         <p:spPr/>
         <p:txBody>
-          <a:bodyPr/>
-          <a:lstStyle/>
-          <a:p>
-            <a:r>
-              <a:rPr lang="zh-TW" altLang="en-US" b="1" dirty="0" smtClean="0">
+          <a:bodyPr>
+            <a:normAutofit/>
+          </a:bodyPr>
+          <a:lstStyle/>
+          <a:p>
+            <a:r>
+              <a:rPr lang="zh-TW" altLang="en-US" sz="4000" b="1" dirty="0">
                 <a:solidFill>
                   <a:srgbClr val="000066"/>
                 </a:solidFill>
@@ -3661,7 +3571,7 @@
               </a:rPr>
               <a:t>將天敞開</a:t>
             </a:r>
-            <a:endParaRPr lang="zh-TW" altLang="en-US" b="1" dirty="0">
+            <a:endParaRPr lang="zh-TW" altLang="en-US" sz="4000" b="1" dirty="0">
               <a:solidFill>
                 <a:srgbClr val="000066"/>
               </a:solidFill>
@@ -3683,8 +3593,8 @@
         </p:nvSpPr>
         <p:spPr>
           <a:xfrm>
-            <a:off x="0" y="1600200"/>
-            <a:ext cx="9144000" cy="5257800"/>
+            <a:off x="0" y="1200150"/>
+            <a:ext cx="9144000" cy="3943350"/>
           </a:xfrm>
         </p:spPr>
         <p:txBody>
@@ -3697,46 +3607,26 @@
               <a:buNone/>
             </a:pPr>
             <a:r>
-              <a:rPr lang="zh-TW" altLang="en-US" sz="5400" b="1" dirty="0">
-                <a:solidFill>
-                  <a:srgbClr val="000066"/>
-                </a:solidFill>
-                <a:latin typeface="微軟正黑體" pitchFamily="34" charset="-120"/>
-                <a:ea typeface="微軟正黑體" pitchFamily="34" charset="-120"/>
-              </a:rPr>
-              <a:t>神就在</a:t>
-            </a:r>
-            <a:r>
-              <a:rPr lang="zh-TW" altLang="en-US" sz="5400" b="1" dirty="0" smtClean="0">
-                <a:solidFill>
-                  <a:srgbClr val="000066"/>
-                </a:solidFill>
-                <a:latin typeface="微軟正黑體" pitchFamily="34" charset="-120"/>
-                <a:ea typeface="微軟正黑體" pitchFamily="34" charset="-120"/>
-              </a:rPr>
-              <a:t>這裡  我們</a:t>
-            </a:r>
-            <a:r>
-              <a:rPr lang="zh-TW" altLang="en-US" sz="5400" b="1" dirty="0">
-                <a:solidFill>
-                  <a:srgbClr val="000066"/>
-                </a:solidFill>
-                <a:latin typeface="微軟正黑體" pitchFamily="34" charset="-120"/>
-                <a:ea typeface="微軟正黑體" pitchFamily="34" charset="-120"/>
-              </a:rPr>
-              <a:t>歡迎</a:t>
-            </a:r>
-            <a:r>
-              <a:rPr lang="zh-TW" altLang="en-US" sz="5400" b="1" dirty="0" smtClean="0">
-                <a:solidFill>
-                  <a:srgbClr val="000066"/>
-                </a:solidFill>
-                <a:latin typeface="微軟正黑體" pitchFamily="34" charset="-120"/>
-                <a:ea typeface="微軟正黑體" pitchFamily="34" charset="-120"/>
-              </a:rPr>
-              <a:t>你</a:t>
-            </a:r>
-            <a:endParaRPr lang="en-US" altLang="zh-TW" sz="5400" b="1" dirty="0" smtClean="0">
+              <a:rPr lang="zh-TW" altLang="en-US" sz="4800" b="1" dirty="0" smtClean="0">
+                <a:solidFill>
+                  <a:srgbClr val="000066"/>
+                </a:solidFill>
+                <a:latin typeface="微軟正黑體" pitchFamily="34" charset="-120"/>
+                <a:ea typeface="微軟正黑體" pitchFamily="34" charset="-120"/>
+              </a:rPr>
+              <a:t>天</a:t>
+            </a:r>
+            <a:r>
+              <a:rPr lang="zh-TW" altLang="en-US" sz="4800" b="1" dirty="0">
+                <a:solidFill>
+                  <a:srgbClr val="000066"/>
+                </a:solidFill>
+                <a:latin typeface="微軟正黑體" pitchFamily="34" charset="-120"/>
+                <a:ea typeface="微軟正黑體" pitchFamily="34" charset="-120"/>
+              </a:rPr>
+              <a:t>上地下  </a:t>
+            </a:r>
+            <a:endParaRPr lang="en-US" altLang="zh-TW" sz="4800" b="1" dirty="0" smtClean="0">
               <a:solidFill>
                 <a:srgbClr val="000066"/>
               </a:solidFill>
@@ -3749,36 +3639,36 @@
               <a:buNone/>
             </a:pPr>
             <a:r>
-              <a:rPr lang="zh-TW" altLang="en-US" sz="5400" b="1" dirty="0" smtClean="0">
-                <a:solidFill>
-                  <a:srgbClr val="000066"/>
-                </a:solidFill>
-                <a:latin typeface="微軟正黑體" pitchFamily="34" charset="-120"/>
-                <a:ea typeface="微軟正黑體" pitchFamily="34" charset="-120"/>
-              </a:rPr>
-              <a:t>讓</a:t>
-            </a:r>
-            <a:r>
-              <a:rPr lang="zh-TW" altLang="en-US" sz="5400" b="1" dirty="0">
-                <a:solidFill>
-                  <a:srgbClr val="000066"/>
-                </a:solidFill>
-                <a:latin typeface="微軟正黑體" pitchFamily="34" charset="-120"/>
-                <a:ea typeface="微軟正黑體" pitchFamily="34" charset="-120"/>
-              </a:rPr>
-              <a:t>一切焦點轉向</a:t>
-            </a:r>
-            <a:r>
-              <a:rPr lang="zh-TW" altLang="en-US" sz="5400" b="1" dirty="0" smtClean="0">
-                <a:solidFill>
-                  <a:srgbClr val="000066"/>
-                </a:solidFill>
-                <a:latin typeface="微軟正黑體" pitchFamily="34" charset="-120"/>
-                <a:ea typeface="微軟正黑體" pitchFamily="34" charset="-120"/>
-              </a:rPr>
-              <a:t>你</a:t>
-            </a:r>
-            <a:endParaRPr lang="en-US" altLang="zh-TW" sz="5400" b="1" dirty="0">
+              <a:rPr lang="zh-TW" altLang="en-US" sz="4800" b="1" dirty="0" smtClean="0">
+                <a:solidFill>
+                  <a:srgbClr val="000066"/>
+                </a:solidFill>
+                <a:latin typeface="微軟正黑體" pitchFamily="34" charset="-120"/>
+                <a:ea typeface="微軟正黑體" pitchFamily="34" charset="-120"/>
+              </a:rPr>
+              <a:t>在</a:t>
+            </a:r>
+            <a:r>
+              <a:rPr lang="zh-TW" altLang="en-US" sz="4800" b="1" dirty="0">
+                <a:solidFill>
+                  <a:srgbClr val="000066"/>
+                </a:solidFill>
+                <a:latin typeface="微軟正黑體" pitchFamily="34" charset="-120"/>
+                <a:ea typeface="微軟正黑體" pitchFamily="34" charset="-120"/>
+              </a:rPr>
+              <a:t>永恆裡敬</a:t>
+            </a:r>
+            <a:r>
+              <a:rPr lang="zh-TW" altLang="en-US" sz="4800" b="1" dirty="0">
+                <a:solidFill>
+                  <a:srgbClr val="000066"/>
+                </a:solidFill>
+                <a:latin typeface="微軟正黑體" pitchFamily="34" charset="-120"/>
+                <a:ea typeface="微軟正黑體" pitchFamily="34" charset="-120"/>
+              </a:rPr>
+              <a:t>拜</a:t>
+            </a:r>
+            <a:endParaRPr lang="en-US" altLang="zh-TW" sz="4800" b="1" dirty="0">
               <a:solidFill>
                 <a:srgbClr val="000066"/>
               </a:solidFill>
@@ -3791,56 +3681,106 @@
               <a:buNone/>
             </a:pPr>
             <a:r>
-              <a:rPr lang="zh-TW" altLang="en-US" sz="5400" b="1" dirty="0" smtClean="0">
-                <a:solidFill>
-                  <a:srgbClr val="000066"/>
-                </a:solidFill>
-                <a:latin typeface="微軟正黑體" pitchFamily="34" charset="-120"/>
-                <a:ea typeface="微軟正黑體" pitchFamily="34" charset="-120"/>
-              </a:rPr>
-              <a:t>神</a:t>
-            </a:r>
-            <a:r>
-              <a:rPr lang="zh-TW" altLang="en-US" sz="5400" b="1" dirty="0">
-                <a:solidFill>
-                  <a:srgbClr val="000066"/>
-                </a:solidFill>
-                <a:latin typeface="微軟正黑體" pitchFamily="34" charset="-120"/>
-                <a:ea typeface="微軟正黑體" pitchFamily="34" charset="-120"/>
-              </a:rPr>
-              <a:t>就在</a:t>
-            </a:r>
-            <a:r>
-              <a:rPr lang="zh-TW" altLang="en-US" sz="5400" b="1" dirty="0" smtClean="0">
-                <a:solidFill>
-                  <a:srgbClr val="000066"/>
-                </a:solidFill>
-                <a:latin typeface="微軟正黑體" pitchFamily="34" charset="-120"/>
-                <a:ea typeface="微軟正黑體" pitchFamily="34" charset="-120"/>
-              </a:rPr>
-              <a:t>這裡  我們</a:t>
-            </a:r>
-            <a:r>
-              <a:rPr lang="zh-TW" altLang="en-US" sz="5400" b="1" dirty="0">
-                <a:solidFill>
-                  <a:srgbClr val="000066"/>
-                </a:solidFill>
-                <a:latin typeface="微軟正黑體" pitchFamily="34" charset="-120"/>
-                <a:ea typeface="微軟正黑體" pitchFamily="34" charset="-120"/>
-              </a:rPr>
-              <a:t>歡迎</a:t>
-            </a:r>
-            <a:r>
-              <a:rPr lang="zh-TW" altLang="en-US" sz="5400" b="1" dirty="0" smtClean="0">
-                <a:solidFill>
-                  <a:srgbClr val="000066"/>
-                </a:solidFill>
-                <a:latin typeface="微軟正黑體" pitchFamily="34" charset="-120"/>
-                <a:ea typeface="微軟正黑體" pitchFamily="34" charset="-120"/>
-              </a:rPr>
-              <a:t>你</a:t>
-            </a:r>
-            <a:endParaRPr lang="en-US" altLang="zh-TW" sz="5400" b="1" dirty="0" smtClean="0">
+              <a:rPr lang="zh-TW" altLang="en-US" sz="4800" b="1" dirty="0">
+                <a:solidFill>
+                  <a:srgbClr val="000066"/>
+                </a:solidFill>
+                <a:latin typeface="微軟正黑體" pitchFamily="34" charset="-120"/>
+                <a:ea typeface="微軟正黑體" pitchFamily="34" charset="-120"/>
+              </a:rPr>
+              <a:t>哈</a:t>
+            </a:r>
+            <a:r>
+              <a:rPr lang="zh-TW" altLang="en-US" sz="4800" b="1" dirty="0">
+                <a:solidFill>
+                  <a:srgbClr val="000066"/>
+                </a:solidFill>
+                <a:latin typeface="微軟正黑體" pitchFamily="34" charset="-120"/>
+                <a:ea typeface="微軟正黑體" pitchFamily="34" charset="-120"/>
+              </a:rPr>
+              <a:t>利路</a:t>
+            </a:r>
+            <a:r>
+              <a:rPr lang="zh-TW" altLang="en-US" sz="4800" b="1" dirty="0">
+                <a:solidFill>
+                  <a:srgbClr val="000066"/>
+                </a:solidFill>
+                <a:latin typeface="微軟正黑體" pitchFamily="34" charset="-120"/>
+                <a:ea typeface="微軟正黑體" pitchFamily="34" charset="-120"/>
+              </a:rPr>
+              <a:t>亞  哈</a:t>
+            </a:r>
+            <a:r>
+              <a:rPr lang="zh-TW" altLang="en-US" sz="4800" b="1" dirty="0">
+                <a:solidFill>
+                  <a:srgbClr val="000066"/>
+                </a:solidFill>
+                <a:latin typeface="微軟正黑體" pitchFamily="34" charset="-120"/>
+                <a:ea typeface="微軟正黑體" pitchFamily="34" charset="-120"/>
+              </a:rPr>
+              <a:t>利路亞</a:t>
+            </a:r>
+          </a:p>
+        </p:txBody>
+      </p:sp>
+    </p:spTree>
+    <p:extLst>
+      <p:ext uri="{BB962C8B-B14F-4D97-AF65-F5344CB8AC3E}">
+        <p14:creationId xmlns:p14="http://schemas.microsoft.com/office/powerpoint/2010/main" val="806383349"/>
+      </p:ext>
+    </p:extLst>
+  </p:cSld>
+  <p:clrMapOvr>
+    <a:masterClrMapping/>
+  </p:clrMapOvr>
+</p:sld>
+</file>
+
+<file path=ppt/slides/slide4.xml><?xml version="1.0" encoding="utf-8"?>
+<p:sld xmlns:a="http://schemas.openxmlformats.org/drawingml/2006/main" xmlns:r="http://schemas.openxmlformats.org/officeDocument/2006/relationships" xmlns:p="http://schemas.openxmlformats.org/presentationml/2006/main">
+  <p:cSld>
+    <p:spTree>
+      <p:nvGrpSpPr>
+        <p:cNvPr id="1" name=""/>
+        <p:cNvGrpSpPr/>
+        <p:nvPr/>
+      </p:nvGrpSpPr>
+      <p:grpSpPr>
+        <a:xfrm>
+          <a:off x="0" y="0"/>
+          <a:ext cx="0" cy="0"/>
+          <a:chOff x="0" y="0"/>
+          <a:chExt cx="0" cy="0"/>
+        </a:xfrm>
+      </p:grpSpPr>
+      <p:sp>
+        <p:nvSpPr>
+          <p:cNvPr id="4" name="標題 3"/>
+          <p:cNvSpPr>
+            <a:spLocks noGrp="1"/>
+          </p:cNvSpPr>
+          <p:nvPr>
+            <p:ph type="title"/>
+          </p:nvPr>
+        </p:nvSpPr>
+        <p:spPr/>
+        <p:txBody>
+          <a:bodyPr>
+            <a:normAutofit/>
+          </a:bodyPr>
+          <a:lstStyle/>
+          <a:p>
+            <a:r>
+              <a:rPr lang="zh-TW" altLang="en-US" sz="4000" b="1" dirty="0">
+                <a:solidFill>
+                  <a:srgbClr val="000066"/>
+                </a:solidFill>
+                <a:latin typeface="微軟正黑體" pitchFamily="34" charset="-120"/>
+                <a:ea typeface="微軟正黑體" pitchFamily="34" charset="-120"/>
+              </a:rPr>
+              <a:t>將天敞開</a:t>
+            </a:r>
+            <a:endParaRPr lang="zh-TW" altLang="en-US" sz="4000" b="1" dirty="0">
               <a:solidFill>
                 <a:srgbClr val="000066"/>
               </a:solidFill>
@@ -3848,12 +3788,191 @@
               <a:ea typeface="微軟正黑體" pitchFamily="34" charset="-120"/>
             </a:endParaRPr>
           </a:p>
+        </p:txBody>
+      </p:sp>
+      <p:sp>
+        <p:nvSpPr>
+          <p:cNvPr id="5" name="內容版面配置區 4"/>
+          <p:cNvSpPr>
+            <a:spLocks noGrp="1"/>
+          </p:cNvSpPr>
+          <p:nvPr>
+            <p:ph idx="1"/>
+          </p:nvPr>
+        </p:nvSpPr>
+        <p:spPr>
+          <a:xfrm>
+            <a:off x="0" y="1200150"/>
+            <a:ext cx="9144000" cy="3943350"/>
+          </a:xfrm>
+        </p:spPr>
+        <p:txBody>
+          <a:bodyPr>
+            <a:noAutofit/>
+          </a:bodyPr>
+          <a:lstStyle/>
           <a:p>
             <a:pPr algn="ctr">
               <a:buNone/>
             </a:pPr>
             <a:r>
-              <a:rPr lang="zh-TW" altLang="en-US" sz="5400" b="1" dirty="0" smtClean="0">
+              <a:rPr lang="zh-TW" altLang="en-US" sz="4800" b="1" dirty="0">
+                <a:solidFill>
+                  <a:srgbClr val="000066"/>
+                </a:solidFill>
+                <a:latin typeface="微軟正黑體" pitchFamily="34" charset="-120"/>
+                <a:ea typeface="微軟正黑體" pitchFamily="34" charset="-120"/>
+              </a:rPr>
+              <a:t>神就在</a:t>
+            </a:r>
+            <a:r>
+              <a:rPr lang="zh-TW" altLang="en-US" sz="4800" b="1" dirty="0">
+                <a:solidFill>
+                  <a:srgbClr val="000066"/>
+                </a:solidFill>
+                <a:latin typeface="微軟正黑體" pitchFamily="34" charset="-120"/>
+                <a:ea typeface="微軟正黑體" pitchFamily="34" charset="-120"/>
+              </a:rPr>
+              <a:t>這裡  我們</a:t>
+            </a:r>
+            <a:r>
+              <a:rPr lang="zh-TW" altLang="en-US" sz="4800" b="1" dirty="0">
+                <a:solidFill>
+                  <a:srgbClr val="000066"/>
+                </a:solidFill>
+                <a:latin typeface="微軟正黑體" pitchFamily="34" charset="-120"/>
+                <a:ea typeface="微軟正黑體" pitchFamily="34" charset="-120"/>
+              </a:rPr>
+              <a:t>歡迎</a:t>
+            </a:r>
+            <a:r>
+              <a:rPr lang="zh-TW" altLang="en-US" sz="4800" b="1" dirty="0">
+                <a:solidFill>
+                  <a:srgbClr val="000066"/>
+                </a:solidFill>
+                <a:latin typeface="微軟正黑體" pitchFamily="34" charset="-120"/>
+                <a:ea typeface="微軟正黑體" pitchFamily="34" charset="-120"/>
+              </a:rPr>
+              <a:t>你</a:t>
+            </a:r>
+            <a:endParaRPr lang="en-US" altLang="zh-TW" sz="4800" b="1" dirty="0">
+              <a:solidFill>
+                <a:srgbClr val="000066"/>
+              </a:solidFill>
+              <a:latin typeface="微軟正黑體" pitchFamily="34" charset="-120"/>
+              <a:ea typeface="微軟正黑體" pitchFamily="34" charset="-120"/>
+            </a:endParaRPr>
+          </a:p>
+          <a:p>
+            <a:pPr algn="ctr">
+              <a:buNone/>
+            </a:pPr>
+            <a:r>
+              <a:rPr lang="zh-TW" altLang="en-US" sz="4800" b="1" dirty="0">
+                <a:solidFill>
+                  <a:srgbClr val="000066"/>
+                </a:solidFill>
+                <a:latin typeface="微軟正黑體" pitchFamily="34" charset="-120"/>
+                <a:ea typeface="微軟正黑體" pitchFamily="34" charset="-120"/>
+              </a:rPr>
+              <a:t>讓</a:t>
+            </a:r>
+            <a:r>
+              <a:rPr lang="zh-TW" altLang="en-US" sz="4800" b="1" dirty="0">
+                <a:solidFill>
+                  <a:srgbClr val="000066"/>
+                </a:solidFill>
+                <a:latin typeface="微軟正黑體" pitchFamily="34" charset="-120"/>
+                <a:ea typeface="微軟正黑體" pitchFamily="34" charset="-120"/>
+              </a:rPr>
+              <a:t>一切焦點轉向</a:t>
+            </a:r>
+            <a:r>
+              <a:rPr lang="zh-TW" altLang="en-US" sz="4800" b="1" dirty="0">
+                <a:solidFill>
+                  <a:srgbClr val="000066"/>
+                </a:solidFill>
+                <a:latin typeface="微軟正黑體" pitchFamily="34" charset="-120"/>
+                <a:ea typeface="微軟正黑體" pitchFamily="34" charset="-120"/>
+              </a:rPr>
+              <a:t>你</a:t>
+            </a:r>
+            <a:endParaRPr lang="en-US" altLang="zh-TW" sz="4800" b="1" dirty="0">
+              <a:solidFill>
+                <a:srgbClr val="000066"/>
+              </a:solidFill>
+              <a:latin typeface="微軟正黑體" pitchFamily="34" charset="-120"/>
+              <a:ea typeface="微軟正黑體" pitchFamily="34" charset="-120"/>
+            </a:endParaRPr>
+          </a:p>
+          <a:p>
+            <a:pPr algn="ctr">
+              <a:buNone/>
+            </a:pPr>
+            <a:r>
+              <a:rPr lang="zh-TW" altLang="en-US" sz="4800" b="1" dirty="0">
+                <a:solidFill>
+                  <a:srgbClr val="000066"/>
+                </a:solidFill>
+                <a:latin typeface="微軟正黑體" pitchFamily="34" charset="-120"/>
+                <a:ea typeface="微軟正黑體" pitchFamily="34" charset="-120"/>
+              </a:rPr>
+              <a:t>神</a:t>
+            </a:r>
+            <a:r>
+              <a:rPr lang="zh-TW" altLang="en-US" sz="4800" b="1" dirty="0">
+                <a:solidFill>
+                  <a:srgbClr val="000066"/>
+                </a:solidFill>
+                <a:latin typeface="微軟正黑體" pitchFamily="34" charset="-120"/>
+                <a:ea typeface="微軟正黑體" pitchFamily="34" charset="-120"/>
+              </a:rPr>
+              <a:t>就在</a:t>
+            </a:r>
+            <a:r>
+              <a:rPr lang="zh-TW" altLang="en-US" sz="4800" b="1" dirty="0">
+                <a:solidFill>
+                  <a:srgbClr val="000066"/>
+                </a:solidFill>
+                <a:latin typeface="微軟正黑體" pitchFamily="34" charset="-120"/>
+                <a:ea typeface="微軟正黑體" pitchFamily="34" charset="-120"/>
+              </a:rPr>
+              <a:t>這裡  我們</a:t>
+            </a:r>
+            <a:r>
+              <a:rPr lang="zh-TW" altLang="en-US" sz="4800" b="1" dirty="0">
+                <a:solidFill>
+                  <a:srgbClr val="000066"/>
+                </a:solidFill>
+                <a:latin typeface="微軟正黑體" pitchFamily="34" charset="-120"/>
+                <a:ea typeface="微軟正黑體" pitchFamily="34" charset="-120"/>
+              </a:rPr>
+              <a:t>歡迎</a:t>
+            </a:r>
+            <a:r>
+              <a:rPr lang="zh-TW" altLang="en-US" sz="4800" b="1" dirty="0">
+                <a:solidFill>
+                  <a:srgbClr val="000066"/>
+                </a:solidFill>
+                <a:latin typeface="微軟正黑體" pitchFamily="34" charset="-120"/>
+                <a:ea typeface="微軟正黑體" pitchFamily="34" charset="-120"/>
+              </a:rPr>
+              <a:t>你</a:t>
+            </a:r>
+            <a:endParaRPr lang="en-US" altLang="zh-TW" sz="4800" b="1" dirty="0">
+              <a:solidFill>
+                <a:srgbClr val="000066"/>
+              </a:solidFill>
+              <a:latin typeface="微軟正黑體" pitchFamily="34" charset="-120"/>
+              <a:ea typeface="微軟正黑體" pitchFamily="34" charset="-120"/>
+            </a:endParaRPr>
+          </a:p>
+          <a:p>
+            <a:pPr algn="ctr">
+              <a:buNone/>
+            </a:pPr>
+            <a:r>
+              <a:rPr lang="zh-TW" altLang="en-US" sz="4800" b="1" dirty="0">
                 <a:solidFill>
                   <a:srgbClr val="000066"/>
                 </a:solidFill>
@@ -3863,7 +3982,7 @@
               <a:t>寶座</a:t>
             </a:r>
             <a:r>
-              <a:rPr lang="zh-TW" altLang="en-US" sz="5400" b="1" dirty="0">
+              <a:rPr lang="zh-TW" altLang="en-US" sz="4800" b="1" dirty="0">
                 <a:solidFill>
                   <a:srgbClr val="000066"/>
                 </a:solidFill>

--- a/將天敞開(崇拜版).pptx
+++ b/將天敞開(崇拜版).pptx
@@ -5,10 +5,14 @@
     <p:sldMasterId id="2147483660" r:id="rId1"/>
   </p:sldMasterIdLst>
   <p:sldIdLst>
-    <p:sldId id="256" r:id="rId2"/>
-    <p:sldId id="257" r:id="rId3"/>
-    <p:sldId id="259" r:id="rId4"/>
-    <p:sldId id="258" r:id="rId5"/>
+    <p:sldId id="260" r:id="rId2"/>
+    <p:sldId id="261" r:id="rId3"/>
+    <p:sldId id="262" r:id="rId4"/>
+    <p:sldId id="263" r:id="rId5"/>
+    <p:sldId id="264" r:id="rId6"/>
+    <p:sldId id="265" r:id="rId7"/>
+    <p:sldId id="266" r:id="rId8"/>
+    <p:sldId id="267" r:id="rId9"/>
   </p:sldIdLst>
   <p:sldSz cx="9144000" cy="5143500" type="screen16x9"/>
   <p:notesSz cx="6858000" cy="9144000"/>
@@ -107,6 +111,22 @@
       </a:defRPr>
     </a:lvl9pPr>
   </p:defaultTextStyle>
+  <p:extLst>
+    <p:ext uri="{EFAFB233-063F-42B5-8137-9DF3F51BA10A}">
+      <p15:sldGuideLst xmlns:p15="http://schemas.microsoft.com/office/powerpoint/2012/main">
+        <p15:guide id="1" orient="horz" pos="1620">
+          <p15:clr>
+            <a:srgbClr val="A4A3A4"/>
+          </p15:clr>
+        </p15:guide>
+        <p15:guide id="2" pos="2880">
+          <p15:clr>
+            <a:srgbClr val="A4A3A4"/>
+          </p15:clr>
+        </p15:guide>
+      </p15:sldGuideLst>
+    </p:ext>
+  </p:extLst>
 </p:presentation>
 </file>
 
@@ -291,7 +311,7 @@
           <a:p>
             <a:fld id="{5F26EBDC-56AC-4702-A4F8-17F9FEC4370F}" type="datetimeFigureOut">
               <a:rPr lang="zh-TW" altLang="en-US" smtClean="0"/>
-              <a:t>2019/9/13</a:t>
+              <a:t>2021/5/22</a:t>
             </a:fld>
             <a:endParaRPr lang="zh-TW" altLang="en-US"/>
           </a:p>
@@ -456,7 +476,7 @@
           <a:p>
             <a:fld id="{5F26EBDC-56AC-4702-A4F8-17F9FEC4370F}" type="datetimeFigureOut">
               <a:rPr lang="zh-TW" altLang="en-US" smtClean="0"/>
-              <a:t>2019/9/13</a:t>
+              <a:t>2021/5/22</a:t>
             </a:fld>
             <a:endParaRPr lang="zh-TW" altLang="en-US"/>
           </a:p>
@@ -631,7 +651,7 @@
           <a:p>
             <a:fld id="{5F26EBDC-56AC-4702-A4F8-17F9FEC4370F}" type="datetimeFigureOut">
               <a:rPr lang="zh-TW" altLang="en-US" smtClean="0"/>
-              <a:t>2019/9/13</a:t>
+              <a:t>2021/5/22</a:t>
             </a:fld>
             <a:endParaRPr lang="zh-TW" altLang="en-US"/>
           </a:p>
@@ -796,7 +816,7 @@
           <a:p>
             <a:fld id="{5F26EBDC-56AC-4702-A4F8-17F9FEC4370F}" type="datetimeFigureOut">
               <a:rPr lang="zh-TW" altLang="en-US" smtClean="0"/>
-              <a:t>2019/9/13</a:t>
+              <a:t>2021/5/22</a:t>
             </a:fld>
             <a:endParaRPr lang="zh-TW" altLang="en-US"/>
           </a:p>
@@ -1037,7 +1057,7 @@
           <a:p>
             <a:fld id="{5F26EBDC-56AC-4702-A4F8-17F9FEC4370F}" type="datetimeFigureOut">
               <a:rPr lang="zh-TW" altLang="en-US" smtClean="0"/>
-              <a:t>2019/9/13</a:t>
+              <a:t>2021/5/22</a:t>
             </a:fld>
             <a:endParaRPr lang="zh-TW" altLang="en-US"/>
           </a:p>
@@ -1320,7 +1340,7 @@
           <a:p>
             <a:fld id="{5F26EBDC-56AC-4702-A4F8-17F9FEC4370F}" type="datetimeFigureOut">
               <a:rPr lang="zh-TW" altLang="en-US" smtClean="0"/>
-              <a:t>2019/9/13</a:t>
+              <a:t>2021/5/22</a:t>
             </a:fld>
             <a:endParaRPr lang="zh-TW" altLang="en-US"/>
           </a:p>
@@ -1737,7 +1757,7 @@
           <a:p>
             <a:fld id="{5F26EBDC-56AC-4702-A4F8-17F9FEC4370F}" type="datetimeFigureOut">
               <a:rPr lang="zh-TW" altLang="en-US" smtClean="0"/>
-              <a:t>2019/9/13</a:t>
+              <a:t>2021/5/22</a:t>
             </a:fld>
             <a:endParaRPr lang="zh-TW" altLang="en-US"/>
           </a:p>
@@ -1850,7 +1870,7 @@
           <a:p>
             <a:fld id="{5F26EBDC-56AC-4702-A4F8-17F9FEC4370F}" type="datetimeFigureOut">
               <a:rPr lang="zh-TW" altLang="en-US" smtClean="0"/>
-              <a:t>2019/9/13</a:t>
+              <a:t>2021/5/22</a:t>
             </a:fld>
             <a:endParaRPr lang="zh-TW" altLang="en-US"/>
           </a:p>
@@ -1940,7 +1960,7 @@
           <a:p>
             <a:fld id="{5F26EBDC-56AC-4702-A4F8-17F9FEC4370F}" type="datetimeFigureOut">
               <a:rPr lang="zh-TW" altLang="en-US" smtClean="0"/>
-              <a:t>2019/9/13</a:t>
+              <a:t>2021/5/22</a:t>
             </a:fld>
             <a:endParaRPr lang="zh-TW" altLang="en-US"/>
           </a:p>
@@ -2212,7 +2232,7 @@
           <a:p>
             <a:fld id="{5F26EBDC-56AC-4702-A4F8-17F9FEC4370F}" type="datetimeFigureOut">
               <a:rPr lang="zh-TW" altLang="en-US" smtClean="0"/>
-              <a:t>2019/9/13</a:t>
+              <a:t>2021/5/22</a:t>
             </a:fld>
             <a:endParaRPr lang="zh-TW" altLang="en-US"/>
           </a:p>
@@ -2464,7 +2484,7 @@
           <a:p>
             <a:fld id="{5F26EBDC-56AC-4702-A4F8-17F9FEC4370F}" type="datetimeFigureOut">
               <a:rPr lang="zh-TW" altLang="en-US" smtClean="0"/>
-              <a:t>2019/9/13</a:t>
+              <a:t>2021/5/22</a:t>
             </a:fld>
             <a:endParaRPr lang="zh-TW" altLang="en-US"/>
           </a:p>
@@ -2677,7 +2697,7 @@
           <a:p>
             <a:fld id="{5F26EBDC-56AC-4702-A4F8-17F9FEC4370F}" type="datetimeFigureOut">
               <a:rPr lang="zh-TW" altLang="en-US" smtClean="0"/>
-              <a:t>2019/9/13</a:t>
+              <a:t>2021/5/22</a:t>
             </a:fld>
             <a:endParaRPr lang="zh-TW" altLang="en-US"/>
           </a:p>
@@ -3057,47 +3077,10 @@
             <p:ph type="title"/>
           </p:nvPr>
         </p:nvSpPr>
-        <p:spPr/>
-        <p:txBody>
-          <a:bodyPr>
-            <a:normAutofit/>
-          </a:bodyPr>
-          <a:lstStyle/>
-          <a:p>
-            <a:r>
-              <a:rPr lang="zh-TW" altLang="en-US" sz="4000" b="1" dirty="0" smtClean="0">
-                <a:solidFill>
-                  <a:srgbClr val="000066"/>
-                </a:solidFill>
-                <a:latin typeface="微軟正黑體" pitchFamily="34" charset="-120"/>
-                <a:ea typeface="微軟正黑體" pitchFamily="34" charset="-120"/>
-              </a:rPr>
-              <a:t>將天敞開</a:t>
-            </a:r>
-            <a:endParaRPr lang="zh-TW" altLang="en-US" sz="4000" b="1" dirty="0">
-              <a:solidFill>
-                <a:srgbClr val="000066"/>
-              </a:solidFill>
-              <a:latin typeface="微軟正黑體" pitchFamily="34" charset="-120"/>
-              <a:ea typeface="微軟正黑體" pitchFamily="34" charset="-120"/>
-            </a:endParaRPr>
-          </a:p>
-        </p:txBody>
-      </p:sp>
-      <p:sp>
-        <p:nvSpPr>
-          <p:cNvPr id="5" name="內容版面配置區 4"/>
-          <p:cNvSpPr>
-            <a:spLocks noGrp="1"/>
-          </p:cNvSpPr>
-          <p:nvPr>
-            <p:ph idx="1"/>
-          </p:nvPr>
-        </p:nvSpPr>
         <p:spPr>
           <a:xfrm>
-            <a:off x="0" y="1200150"/>
-            <a:ext cx="9144000" cy="3943350"/>
+            <a:off x="0" y="1995686"/>
+            <a:ext cx="9144000" cy="857250"/>
           </a:xfrm>
         </p:spPr>
         <p:txBody>
@@ -3106,229 +3089,49 @@
           </a:bodyPr>
           <a:lstStyle/>
           <a:p>
-            <a:pPr algn="ctr">
-              <a:buNone/>
-            </a:pPr>
-            <a:r>
-              <a:rPr lang="zh-TW" altLang="en-US" sz="4800" b="1" dirty="0">
-                <a:solidFill>
-                  <a:srgbClr val="000066"/>
-                </a:solidFill>
-                <a:latin typeface="微軟正黑體" pitchFamily="34" charset="-120"/>
-                <a:ea typeface="微軟正黑體" pitchFamily="34" charset="-120"/>
-              </a:rPr>
-              <a:t>將天</a:t>
-            </a:r>
-            <a:r>
-              <a:rPr lang="zh-TW" altLang="en-US" sz="4800" b="1" dirty="0" smtClean="0">
-                <a:solidFill>
-                  <a:srgbClr val="000066"/>
-                </a:solidFill>
-                <a:latin typeface="微軟正黑體" pitchFamily="34" charset="-120"/>
-                <a:ea typeface="微軟正黑體" pitchFamily="34" charset="-120"/>
-              </a:rPr>
-              <a:t>敞開  你</a:t>
-            </a:r>
-            <a:r>
-              <a:rPr lang="zh-TW" altLang="en-US" sz="4800" b="1" dirty="0">
-                <a:solidFill>
-                  <a:srgbClr val="000066"/>
-                </a:solidFill>
-                <a:latin typeface="微軟正黑體" pitchFamily="34" charset="-120"/>
-                <a:ea typeface="微軟正黑體" pitchFamily="34" charset="-120"/>
-              </a:rPr>
-              <a:t>的榮耀降下</a:t>
-            </a:r>
-            <a:r>
-              <a:rPr lang="zh-TW" altLang="en-US" sz="4800" b="1" dirty="0" smtClean="0">
-                <a:solidFill>
-                  <a:srgbClr val="000066"/>
-                </a:solidFill>
-                <a:latin typeface="微軟正黑體" pitchFamily="34" charset="-120"/>
-                <a:ea typeface="微軟正黑體" pitchFamily="34" charset="-120"/>
-              </a:rPr>
-              <a:t>來</a:t>
-            </a:r>
-            <a:endParaRPr lang="en-US" altLang="zh-TW" sz="4800" b="1" dirty="0" smtClean="0">
-              <a:solidFill>
-                <a:srgbClr val="000066"/>
-              </a:solidFill>
-              <a:latin typeface="微軟正黑體" pitchFamily="34" charset="-120"/>
-              <a:ea typeface="微軟正黑體" pitchFamily="34" charset="-120"/>
-            </a:endParaRPr>
-          </a:p>
-          <a:p>
-            <a:pPr algn="ctr">
-              <a:buNone/>
-            </a:pPr>
-            <a:r>
-              <a:rPr lang="zh-TW" altLang="en-US" sz="4800" b="1" dirty="0" smtClean="0">
-                <a:solidFill>
-                  <a:srgbClr val="000066"/>
-                </a:solidFill>
+            <a:r>
+              <a:rPr lang="zh-TW" altLang="en-US" sz="5400" b="1" i="1" dirty="0" smtClean="0">
+                <a:solidFill>
+                  <a:srgbClr val="660033"/>
+                </a:solidFill>
+                <a:effectLst>
+                  <a:outerShdw blurRad="38100" dist="38100" dir="2700000" algn="tl">
+                    <a:srgbClr val="000000">
+                      <a:alpha val="43137"/>
+                    </a:srgbClr>
+                  </a:outerShdw>
+                </a:effectLst>
                 <a:latin typeface="微軟正黑體" pitchFamily="34" charset="-120"/>
                 <a:ea typeface="微軟正黑體" pitchFamily="34" charset="-120"/>
               </a:rPr>
               <a:t>將</a:t>
             </a:r>
             <a:r>
-              <a:rPr lang="zh-TW" altLang="en-US" sz="4800" b="1" dirty="0">
-                <a:solidFill>
-                  <a:srgbClr val="000066"/>
-                </a:solidFill>
+              <a:rPr lang="zh-TW" altLang="en-US" sz="5400" b="1" i="1" dirty="0">
+                <a:solidFill>
+                  <a:srgbClr val="660033"/>
+                </a:solidFill>
+                <a:effectLst>
+                  <a:outerShdw blurRad="38100" dist="38100" dir="2700000" algn="tl">
+                    <a:srgbClr val="000000">
+                      <a:alpha val="43137"/>
+                    </a:srgbClr>
+                  </a:outerShdw>
+                </a:effectLst>
                 <a:latin typeface="微軟正黑體" pitchFamily="34" charset="-120"/>
                 <a:ea typeface="微軟正黑體" pitchFamily="34" charset="-120"/>
               </a:rPr>
-              <a:t>天</a:t>
-            </a:r>
-            <a:r>
-              <a:rPr lang="zh-TW" altLang="en-US" sz="4800" b="1" dirty="0" smtClean="0">
-                <a:solidFill>
-                  <a:srgbClr val="000066"/>
-                </a:solidFill>
-                <a:latin typeface="微軟正黑體" pitchFamily="34" charset="-120"/>
-                <a:ea typeface="微軟正黑體" pitchFamily="34" charset="-120"/>
-              </a:rPr>
-              <a:t>敞開  你</a:t>
-            </a:r>
-            <a:r>
-              <a:rPr lang="zh-TW" altLang="en-US" sz="4800" b="1" dirty="0">
-                <a:solidFill>
-                  <a:srgbClr val="000066"/>
-                </a:solidFill>
-                <a:latin typeface="微軟正黑體" pitchFamily="34" charset="-120"/>
-                <a:ea typeface="微軟正黑體" pitchFamily="34" charset="-120"/>
-              </a:rPr>
-              <a:t>的同在降下</a:t>
-            </a:r>
-            <a:r>
-              <a:rPr lang="zh-TW" altLang="en-US" sz="4800" b="1" dirty="0" smtClean="0">
-                <a:solidFill>
-                  <a:srgbClr val="000066"/>
-                </a:solidFill>
-                <a:latin typeface="微軟正黑體" pitchFamily="34" charset="-120"/>
-                <a:ea typeface="微軟正黑體" pitchFamily="34" charset="-120"/>
-              </a:rPr>
-              <a:t>來</a:t>
-            </a:r>
-            <a:endParaRPr lang="en-US" altLang="zh-TW" sz="4800" b="1" dirty="0">
-              <a:solidFill>
-                <a:srgbClr val="000066"/>
-              </a:solidFill>
-              <a:latin typeface="微軟正黑體" pitchFamily="34" charset="-120"/>
-              <a:ea typeface="微軟正黑體" pitchFamily="34" charset="-120"/>
-            </a:endParaRPr>
-          </a:p>
-          <a:p>
-            <a:pPr algn="ctr">
-              <a:buNone/>
-            </a:pPr>
-            <a:r>
-              <a:rPr lang="zh-TW" altLang="en-US" sz="4800" b="1" dirty="0" smtClean="0">
-                <a:solidFill>
-                  <a:srgbClr val="000066"/>
-                </a:solidFill>
-                <a:latin typeface="微軟正黑體" pitchFamily="34" charset="-120"/>
-                <a:ea typeface="微軟正黑體" pitchFamily="34" charset="-120"/>
-              </a:rPr>
-              <a:t>將</a:t>
-            </a:r>
-            <a:r>
-              <a:rPr lang="zh-TW" altLang="en-US" sz="4800" b="1" dirty="0">
-                <a:solidFill>
-                  <a:srgbClr val="000066"/>
-                </a:solidFill>
-                <a:latin typeface="微軟正黑體" pitchFamily="34" charset="-120"/>
-                <a:ea typeface="微軟正黑體" pitchFamily="34" charset="-120"/>
-              </a:rPr>
-              <a:t>天</a:t>
-            </a:r>
-            <a:r>
-              <a:rPr lang="zh-TW" altLang="en-US" sz="4800" b="1" dirty="0" smtClean="0">
-                <a:solidFill>
-                  <a:srgbClr val="000066"/>
-                </a:solidFill>
-                <a:latin typeface="微軟正黑體" pitchFamily="34" charset="-120"/>
-                <a:ea typeface="微軟正黑體" pitchFamily="34" charset="-120"/>
-              </a:rPr>
-              <a:t>敞開  你</a:t>
-            </a:r>
-            <a:r>
-              <a:rPr lang="zh-TW" altLang="en-US" sz="4800" b="1" dirty="0">
-                <a:solidFill>
-                  <a:srgbClr val="000066"/>
-                </a:solidFill>
-                <a:latin typeface="微軟正黑體" pitchFamily="34" charset="-120"/>
-                <a:ea typeface="微軟正黑體" pitchFamily="34" charset="-120"/>
-              </a:rPr>
-              <a:t>的榮耀降下</a:t>
-            </a:r>
-            <a:r>
-              <a:rPr lang="zh-TW" altLang="en-US" sz="4800" b="1" dirty="0" smtClean="0">
-                <a:solidFill>
-                  <a:srgbClr val="000066"/>
-                </a:solidFill>
-                <a:latin typeface="微軟正黑體" pitchFamily="34" charset="-120"/>
-                <a:ea typeface="微軟正黑體" pitchFamily="34" charset="-120"/>
-              </a:rPr>
-              <a:t>來</a:t>
-            </a:r>
-            <a:endParaRPr lang="en-US" altLang="zh-TW" sz="4800" b="1" dirty="0" smtClean="0">
-              <a:solidFill>
-                <a:srgbClr val="000066"/>
-              </a:solidFill>
-              <a:latin typeface="微軟正黑體" pitchFamily="34" charset="-120"/>
-              <a:ea typeface="微軟正黑體" pitchFamily="34" charset="-120"/>
-            </a:endParaRPr>
-          </a:p>
-          <a:p>
-            <a:pPr algn="ctr">
-              <a:buNone/>
-            </a:pPr>
-            <a:r>
-              <a:rPr lang="zh-TW" altLang="en-US" sz="4800" b="1" dirty="0" smtClean="0">
-                <a:solidFill>
-                  <a:srgbClr val="000066"/>
-                </a:solidFill>
-                <a:latin typeface="微軟正黑體" pitchFamily="34" charset="-120"/>
-                <a:ea typeface="微軟正黑體" pitchFamily="34" charset="-120"/>
-              </a:rPr>
-              <a:t>萬國</a:t>
-            </a:r>
-            <a:r>
-              <a:rPr lang="zh-TW" altLang="en-US" sz="4800" b="1" dirty="0">
-                <a:solidFill>
-                  <a:srgbClr val="000066"/>
-                </a:solidFill>
-                <a:latin typeface="微軟正黑體" pitchFamily="34" charset="-120"/>
-                <a:ea typeface="微軟正黑體" pitchFamily="34" charset="-120"/>
-              </a:rPr>
-              <a:t>讚嘆</a:t>
-            </a:r>
-            <a:r>
-              <a:rPr lang="zh-TW" altLang="en-US" sz="4800" b="1" dirty="0" smtClean="0">
-                <a:solidFill>
-                  <a:srgbClr val="000066"/>
-                </a:solidFill>
-                <a:latin typeface="微軟正黑體" pitchFamily="34" charset="-120"/>
-                <a:ea typeface="微軟正黑體" pitchFamily="34" charset="-120"/>
-              </a:rPr>
-              <a:t>你  你</a:t>
-            </a:r>
-            <a:r>
-              <a:rPr lang="zh-TW" altLang="en-US" sz="4800" b="1" dirty="0">
-                <a:solidFill>
-                  <a:srgbClr val="000066"/>
-                </a:solidFill>
-                <a:latin typeface="微軟正黑體" pitchFamily="34" charset="-120"/>
-                <a:ea typeface="微軟正黑體" pitchFamily="34" charset="-120"/>
-              </a:rPr>
-              <a:t>是榮耀君王</a:t>
+              <a:t>天敞開</a:t>
             </a:r>
           </a:p>
         </p:txBody>
       </p:sp>
     </p:spTree>
+    <p:extLst>
+      <p:ext uri="{BB962C8B-B14F-4D97-AF65-F5344CB8AC3E}">
+        <p14:creationId xmlns:p14="http://schemas.microsoft.com/office/powerpoint/2010/main" val="71236337"/>
+      </p:ext>
+    </p:extLst>
   </p:cSld>
   <p:clrMapOvr>
     <a:masterClrMapping/>
@@ -3355,62 +3158,77 @@
       </p:grpSpPr>
       <p:sp>
         <p:nvSpPr>
-          <p:cNvPr id="4" name="標題 3"/>
-          <p:cNvSpPr>
-            <a:spLocks noGrp="1"/>
-          </p:cNvSpPr>
-          <p:nvPr>
-            <p:ph type="title"/>
-          </p:nvPr>
-        </p:nvSpPr>
-        <p:spPr/>
-        <p:txBody>
-          <a:bodyPr>
+          <p:cNvPr id="5" name="內容版面配置區 4"/>
+          <p:cNvSpPr>
+            <a:spLocks noGrp="1"/>
+          </p:cNvSpPr>
+          <p:nvPr>
+            <p:ph idx="1"/>
+          </p:nvPr>
+        </p:nvSpPr>
+        <p:spPr>
+          <a:xfrm>
+            <a:off x="0" y="1563638"/>
+            <a:ext cx="9144000" cy="1803647"/>
+          </a:xfrm>
+        </p:spPr>
+        <p:txBody>
+          <a:bodyPr anchor="ctr">
             <a:normAutofit/>
           </a:bodyPr>
           <a:lstStyle/>
           <a:p>
-            <a:r>
-              <a:rPr lang="zh-TW" altLang="en-US" sz="4000" b="1" dirty="0">
-                <a:solidFill>
-                  <a:srgbClr val="000066"/>
+            <a:pPr algn="ctr">
+              <a:buNone/>
+            </a:pPr>
+            <a:r>
+              <a:rPr lang="zh-TW" altLang="en-US" sz="4800" b="1" dirty="0">
+                <a:solidFill>
+                  <a:srgbClr val="660033"/>
                 </a:solidFill>
                 <a:latin typeface="微軟正黑體" pitchFamily="34" charset="-120"/>
                 <a:ea typeface="微軟正黑體" pitchFamily="34" charset="-120"/>
               </a:rPr>
-              <a:t>將天敞開</a:t>
-            </a:r>
-            <a:endParaRPr lang="zh-TW" altLang="en-US" sz="4000" b="1" dirty="0">
+              <a:t>將天敞開  </a:t>
+            </a:r>
+            <a:r>
+              <a:rPr lang="zh-CN" altLang="en-US" sz="4800" b="1" dirty="0" smtClean="0">
+                <a:solidFill>
+                  <a:srgbClr val="660033"/>
+                </a:solidFill>
+                <a:latin typeface="微軟正黑體" pitchFamily="34" charset="-120"/>
+                <a:ea typeface="微軟正黑體" pitchFamily="34" charset="-120"/>
+              </a:rPr>
+              <a:t>袮</a:t>
+            </a:r>
+            <a:r>
+              <a:rPr lang="zh-TW" altLang="en-US" sz="4800" b="1" dirty="0" smtClean="0">
+                <a:solidFill>
+                  <a:srgbClr val="660033"/>
+                </a:solidFill>
+                <a:latin typeface="微軟正黑體" pitchFamily="34" charset="-120"/>
+                <a:ea typeface="微軟正黑體" pitchFamily="34" charset="-120"/>
+              </a:rPr>
+              <a:t>的</a:t>
+            </a:r>
+            <a:r>
+              <a:rPr lang="zh-TW" altLang="en-US" sz="4800" b="1" dirty="0">
+                <a:solidFill>
+                  <a:srgbClr val="660033"/>
+                </a:solidFill>
+                <a:latin typeface="微軟正黑體" pitchFamily="34" charset="-120"/>
+                <a:ea typeface="微軟正黑體" pitchFamily="34" charset="-120"/>
+              </a:rPr>
+              <a:t>榮耀降下來</a:t>
+            </a:r>
+            <a:endParaRPr lang="en-US" altLang="zh-TW" sz="4800" b="1" dirty="0">
               <a:solidFill>
-                <a:srgbClr val="000066"/>
+                <a:srgbClr val="660033"/>
               </a:solidFill>
               <a:latin typeface="微軟正黑體" pitchFamily="34" charset="-120"/>
               <a:ea typeface="微軟正黑體" pitchFamily="34" charset="-120"/>
             </a:endParaRPr>
           </a:p>
-        </p:txBody>
-      </p:sp>
-      <p:sp>
-        <p:nvSpPr>
-          <p:cNvPr id="5" name="內容版面配置區 4"/>
-          <p:cNvSpPr>
-            <a:spLocks noGrp="1"/>
-          </p:cNvSpPr>
-          <p:nvPr>
-            <p:ph idx="1"/>
-          </p:nvPr>
-        </p:nvSpPr>
-        <p:spPr>
-          <a:xfrm>
-            <a:off x="0" y="1200150"/>
-            <a:ext cx="9144000" cy="3943350"/>
-          </a:xfrm>
-        </p:spPr>
-        <p:txBody>
-          <a:bodyPr>
-            <a:noAutofit/>
-          </a:bodyPr>
-          <a:lstStyle/>
           <a:p>
             <a:pPr algn="ctr">
               <a:buNone/>
@@ -3418,108 +3236,69 @@
             <a:r>
               <a:rPr lang="zh-TW" altLang="en-US" sz="4800" b="1" dirty="0">
                 <a:solidFill>
-                  <a:srgbClr val="000066"/>
+                  <a:srgbClr val="660033"/>
                 </a:solidFill>
                 <a:latin typeface="微軟正黑體" pitchFamily="34" charset="-120"/>
                 <a:ea typeface="微軟正黑體" pitchFamily="34" charset="-120"/>
               </a:rPr>
-              <a:t>天上</a:t>
-            </a:r>
-            <a:r>
-              <a:rPr lang="zh-TW" altLang="en-US" sz="4800" b="1" dirty="0">
-                <a:solidFill>
-                  <a:srgbClr val="000066"/>
+              <a:t>將天敞</a:t>
+            </a:r>
+            <a:r>
+              <a:rPr lang="zh-TW" altLang="en-US" sz="4800" b="1" dirty="0" smtClean="0">
+                <a:solidFill>
+                  <a:srgbClr val="660033"/>
                 </a:solidFill>
                 <a:latin typeface="微軟正黑體" pitchFamily="34" charset="-120"/>
                 <a:ea typeface="微軟正黑體" pitchFamily="34" charset="-120"/>
               </a:rPr>
-              <a:t>地下  合一</a:t>
-            </a:r>
-            <a:r>
-              <a:rPr lang="zh-TW" altLang="en-US" sz="4800" b="1" dirty="0">
-                <a:solidFill>
-                  <a:srgbClr val="000066"/>
+              <a:t>開  </a:t>
+            </a:r>
+            <a:r>
+              <a:rPr lang="zh-CN" altLang="en-US" sz="4800" b="1" dirty="0" smtClean="0">
+                <a:solidFill>
+                  <a:srgbClr val="660033"/>
                 </a:solidFill>
                 <a:latin typeface="微軟正黑體" pitchFamily="34" charset="-120"/>
                 <a:ea typeface="微軟正黑體" pitchFamily="34" charset="-120"/>
               </a:rPr>
-              <a:t>敬</a:t>
-            </a:r>
-            <a:r>
-              <a:rPr lang="zh-TW" altLang="en-US" sz="4800" b="1" dirty="0">
-                <a:solidFill>
-                  <a:srgbClr val="000066"/>
+              <a:t>袮</a:t>
+            </a:r>
+            <a:r>
+              <a:rPr lang="zh-TW" altLang="en-US" sz="4800" b="1" dirty="0" smtClean="0">
+                <a:solidFill>
+                  <a:srgbClr val="660033"/>
                 </a:solidFill>
                 <a:latin typeface="微軟正黑體" pitchFamily="34" charset="-120"/>
                 <a:ea typeface="微軟正黑體" pitchFamily="34" charset="-120"/>
               </a:rPr>
-              <a:t>拜</a:t>
+              <a:t>的</a:t>
+            </a:r>
+            <a:r>
+              <a:rPr lang="zh-TW" altLang="en-US" sz="4800" b="1" dirty="0">
+                <a:solidFill>
+                  <a:srgbClr val="660033"/>
+                </a:solidFill>
+                <a:latin typeface="微軟正黑體" pitchFamily="34" charset="-120"/>
+                <a:ea typeface="微軟正黑體" pitchFamily="34" charset="-120"/>
+              </a:rPr>
+              <a:t>同在降下來</a:t>
             </a:r>
             <a:endParaRPr lang="en-US" altLang="zh-TW" sz="4800" b="1" dirty="0">
               <a:solidFill>
-                <a:srgbClr val="000066"/>
+                <a:srgbClr val="660033"/>
               </a:solidFill>
               <a:latin typeface="微軟正黑體" pitchFamily="34" charset="-120"/>
               <a:ea typeface="微軟正黑體" pitchFamily="34" charset="-120"/>
             </a:endParaRPr>
           </a:p>
-          <a:p>
-            <a:pPr algn="ctr">
-              <a:buNone/>
-            </a:pPr>
-            <a:r>
-              <a:rPr lang="zh-TW" altLang="en-US" sz="4800" b="1" dirty="0">
-                <a:solidFill>
-                  <a:srgbClr val="000066"/>
-                </a:solidFill>
-                <a:latin typeface="微軟正黑體" pitchFamily="34" charset="-120"/>
-                <a:ea typeface="微軟正黑體" pitchFamily="34" charset="-120"/>
-              </a:rPr>
-              <a:t>歡呼耶穌基督  聖潔羔</a:t>
-            </a:r>
-            <a:r>
-              <a:rPr lang="zh-TW" altLang="en-US" sz="4800" b="1" dirty="0" smtClean="0">
-                <a:solidFill>
-                  <a:srgbClr val="000066"/>
-                </a:solidFill>
-                <a:latin typeface="微軟正黑體" pitchFamily="34" charset="-120"/>
-                <a:ea typeface="微軟正黑體" pitchFamily="34" charset="-120"/>
-              </a:rPr>
-              <a:t>羊</a:t>
-            </a:r>
-            <a:endParaRPr lang="en-US" altLang="zh-TW" sz="4800" b="1" dirty="0" smtClean="0">
-              <a:solidFill>
-                <a:srgbClr val="000066"/>
-              </a:solidFill>
-              <a:latin typeface="微軟正黑體" pitchFamily="34" charset="-120"/>
-              <a:ea typeface="微軟正黑體" pitchFamily="34" charset="-120"/>
-            </a:endParaRPr>
-          </a:p>
-          <a:p>
-            <a:pPr algn="ctr">
-              <a:buNone/>
-            </a:pPr>
-            <a:r>
-              <a:rPr lang="zh-TW" altLang="en-US" sz="4800" b="1" dirty="0" smtClean="0">
-                <a:solidFill>
-                  <a:srgbClr val="000066"/>
-                </a:solidFill>
-                <a:latin typeface="微軟正黑體" pitchFamily="34" charset="-120"/>
-                <a:ea typeface="微軟正黑體" pitchFamily="34" charset="-120"/>
-              </a:rPr>
-              <a:t>榮耀歸於你</a:t>
-            </a:r>
-            <a:endParaRPr lang="en-US" altLang="zh-TW" sz="4800" b="1" dirty="0" smtClean="0">
-              <a:solidFill>
-                <a:srgbClr val="000066"/>
-              </a:solidFill>
-              <a:latin typeface="微軟正黑體" pitchFamily="34" charset="-120"/>
-              <a:ea typeface="微軟正黑體" pitchFamily="34" charset="-120"/>
-            </a:endParaRPr>
-          </a:p>
         </p:txBody>
       </p:sp>
     </p:spTree>
+    <p:extLst>
+      <p:ext uri="{BB962C8B-B14F-4D97-AF65-F5344CB8AC3E}">
+        <p14:creationId xmlns:p14="http://schemas.microsoft.com/office/powerpoint/2010/main" val="3436282189"/>
+      </p:ext>
+    </p:extLst>
   </p:cSld>
   <p:clrMapOvr>
     <a:masterClrMapping/>
@@ -3546,187 +3325,155 @@
       </p:grpSpPr>
       <p:sp>
         <p:nvSpPr>
-          <p:cNvPr id="4" name="標題 3"/>
-          <p:cNvSpPr>
-            <a:spLocks noGrp="1"/>
-          </p:cNvSpPr>
-          <p:nvPr>
-            <p:ph type="title"/>
-          </p:nvPr>
-        </p:nvSpPr>
-        <p:spPr/>
-        <p:txBody>
-          <a:bodyPr>
+          <p:cNvPr id="5" name="內容版面配置區 4"/>
+          <p:cNvSpPr>
+            <a:spLocks noGrp="1"/>
+          </p:cNvSpPr>
+          <p:nvPr>
+            <p:ph idx="1"/>
+          </p:nvPr>
+        </p:nvSpPr>
+        <p:spPr>
+          <a:xfrm>
+            <a:off x="0" y="1563638"/>
+            <a:ext cx="9144000" cy="1803647"/>
+          </a:xfrm>
+        </p:spPr>
+        <p:txBody>
+          <a:bodyPr anchor="ctr">
             <a:normAutofit/>
           </a:bodyPr>
           <a:lstStyle/>
           <a:p>
-            <a:r>
-              <a:rPr lang="zh-TW" altLang="en-US" sz="4000" b="1" dirty="0">
-                <a:solidFill>
-                  <a:srgbClr val="000066"/>
+            <a:pPr algn="ctr">
+              <a:buNone/>
+            </a:pPr>
+            <a:r>
+              <a:rPr lang="zh-TW" altLang="en-US" sz="4800" b="1" dirty="0">
+                <a:solidFill>
+                  <a:srgbClr val="660033"/>
                 </a:solidFill>
                 <a:latin typeface="微軟正黑體" pitchFamily="34" charset="-120"/>
                 <a:ea typeface="微軟正黑體" pitchFamily="34" charset="-120"/>
               </a:rPr>
-              <a:t>將天敞開</a:t>
-            </a:r>
-            <a:endParaRPr lang="zh-TW" altLang="en-US" sz="4000" b="1" dirty="0">
+              <a:t>將天敞</a:t>
+            </a:r>
+            <a:r>
+              <a:rPr lang="zh-TW" altLang="en-US" sz="4800" b="1" dirty="0" smtClean="0">
+                <a:solidFill>
+                  <a:srgbClr val="660033"/>
+                </a:solidFill>
+                <a:latin typeface="微軟正黑體" pitchFamily="34" charset="-120"/>
+                <a:ea typeface="微軟正黑體" pitchFamily="34" charset="-120"/>
+              </a:rPr>
+              <a:t>開  </a:t>
+            </a:r>
+            <a:r>
+              <a:rPr lang="zh-CN" altLang="en-US" sz="4800" b="1" dirty="0" smtClean="0">
+                <a:solidFill>
+                  <a:srgbClr val="660033"/>
+                </a:solidFill>
+                <a:latin typeface="微軟正黑體" pitchFamily="34" charset="-120"/>
+                <a:ea typeface="微軟正黑體" pitchFamily="34" charset="-120"/>
+              </a:rPr>
+              <a:t>袮</a:t>
+            </a:r>
+            <a:r>
+              <a:rPr lang="zh-TW" altLang="en-US" sz="4800" b="1" dirty="0" smtClean="0">
+                <a:solidFill>
+                  <a:srgbClr val="660033"/>
+                </a:solidFill>
+                <a:latin typeface="微軟正黑體" pitchFamily="34" charset="-120"/>
+                <a:ea typeface="微軟正黑體" pitchFamily="34" charset="-120"/>
+              </a:rPr>
+              <a:t>的</a:t>
+            </a:r>
+            <a:r>
+              <a:rPr lang="zh-TW" altLang="en-US" sz="4800" b="1" dirty="0">
+                <a:solidFill>
+                  <a:srgbClr val="660033"/>
+                </a:solidFill>
+                <a:latin typeface="微軟正黑體" pitchFamily="34" charset="-120"/>
+                <a:ea typeface="微軟正黑體" pitchFamily="34" charset="-120"/>
+              </a:rPr>
+              <a:t>榮耀降下來</a:t>
+            </a:r>
+            <a:endParaRPr lang="en-US" altLang="zh-TW" sz="4800" b="1" dirty="0">
               <a:solidFill>
-                <a:srgbClr val="000066"/>
+                <a:srgbClr val="660033"/>
               </a:solidFill>
               <a:latin typeface="微軟正黑體" pitchFamily="34" charset="-120"/>
               <a:ea typeface="微軟正黑體" pitchFamily="34" charset="-120"/>
             </a:endParaRPr>
           </a:p>
-        </p:txBody>
-      </p:sp>
-      <p:sp>
-        <p:nvSpPr>
-          <p:cNvPr id="5" name="內容版面配置區 4"/>
-          <p:cNvSpPr>
-            <a:spLocks noGrp="1"/>
-          </p:cNvSpPr>
-          <p:nvPr>
-            <p:ph idx="1"/>
-          </p:nvPr>
-        </p:nvSpPr>
-        <p:spPr>
-          <a:xfrm>
-            <a:off x="0" y="1200150"/>
-            <a:ext cx="9144000" cy="3943350"/>
-          </a:xfrm>
-        </p:spPr>
-        <p:txBody>
-          <a:bodyPr>
-            <a:noAutofit/>
-          </a:bodyPr>
-          <a:lstStyle/>
           <a:p>
             <a:pPr algn="ctr">
               <a:buNone/>
             </a:pPr>
             <a:r>
-              <a:rPr lang="zh-TW" altLang="en-US" sz="4800" b="1" dirty="0" smtClean="0">
-                <a:solidFill>
-                  <a:srgbClr val="000066"/>
+              <a:rPr lang="zh-TW" altLang="en-US" sz="4800" b="1" dirty="0">
+                <a:solidFill>
+                  <a:srgbClr val="660033"/>
                 </a:solidFill>
                 <a:latin typeface="微軟正黑體" pitchFamily="34" charset="-120"/>
                 <a:ea typeface="微軟正黑體" pitchFamily="34" charset="-120"/>
               </a:rPr>
-              <a:t>天</a:t>
-            </a:r>
-            <a:r>
-              <a:rPr lang="zh-TW" altLang="en-US" sz="4800" b="1" dirty="0">
-                <a:solidFill>
-                  <a:srgbClr val="000066"/>
+              <a:t>萬國讚</a:t>
+            </a:r>
+            <a:r>
+              <a:rPr lang="zh-TW" altLang="en-US" sz="4800" b="1" dirty="0" smtClean="0">
+                <a:solidFill>
+                  <a:srgbClr val="660033"/>
                 </a:solidFill>
                 <a:latin typeface="微軟正黑體" pitchFamily="34" charset="-120"/>
                 <a:ea typeface="微軟正黑體" pitchFamily="34" charset="-120"/>
               </a:rPr>
-              <a:t>上地下  </a:t>
-            </a:r>
-            <a:endParaRPr lang="en-US" altLang="zh-TW" sz="4800" b="1" dirty="0" smtClean="0">
+              <a:t>嘆</a:t>
+            </a:r>
+            <a:r>
+              <a:rPr lang="zh-CN" altLang="en-US" sz="4800" b="1" dirty="0" smtClean="0">
+                <a:solidFill>
+                  <a:srgbClr val="660033"/>
+                </a:solidFill>
+                <a:latin typeface="微軟正黑體" pitchFamily="34" charset="-120"/>
+                <a:ea typeface="微軟正黑體" pitchFamily="34" charset="-120"/>
+              </a:rPr>
+              <a:t>袮  袮</a:t>
+            </a:r>
+            <a:r>
+              <a:rPr lang="zh-TW" altLang="en-US" sz="4800" b="1" dirty="0" smtClean="0">
+                <a:solidFill>
+                  <a:srgbClr val="660033"/>
+                </a:solidFill>
+                <a:latin typeface="微軟正黑體" pitchFamily="34" charset="-120"/>
+                <a:ea typeface="微軟正黑體" pitchFamily="34" charset="-120"/>
+              </a:rPr>
+              <a:t>是</a:t>
+            </a:r>
+            <a:r>
+              <a:rPr lang="zh-TW" altLang="en-US" sz="4800" b="1" dirty="0">
+                <a:solidFill>
+                  <a:srgbClr val="660033"/>
+                </a:solidFill>
+                <a:latin typeface="微軟正黑體" pitchFamily="34" charset="-120"/>
+                <a:ea typeface="微軟正黑體" pitchFamily="34" charset="-120"/>
+              </a:rPr>
+              <a:t>榮耀君王</a:t>
+            </a:r>
+            <a:endParaRPr lang="zh-TW" altLang="en-US" sz="4800" b="1" dirty="0">
               <a:solidFill>
-                <a:srgbClr val="000066"/>
+                <a:srgbClr val="660033"/>
               </a:solidFill>
               <a:latin typeface="微軟正黑體" pitchFamily="34" charset="-120"/>
               <a:ea typeface="微軟正黑體" pitchFamily="34" charset="-120"/>
             </a:endParaRPr>
           </a:p>
-          <a:p>
-            <a:pPr algn="ctr">
-              <a:buNone/>
-            </a:pPr>
-            <a:r>
-              <a:rPr lang="zh-TW" altLang="en-US" sz="4800" b="1" dirty="0" smtClean="0">
-                <a:solidFill>
-                  <a:srgbClr val="000066"/>
-                </a:solidFill>
-                <a:latin typeface="微軟正黑體" pitchFamily="34" charset="-120"/>
-                <a:ea typeface="微軟正黑體" pitchFamily="34" charset="-120"/>
-              </a:rPr>
-              <a:t>在</a:t>
-            </a:r>
-            <a:r>
-              <a:rPr lang="zh-TW" altLang="en-US" sz="4800" b="1" dirty="0">
-                <a:solidFill>
-                  <a:srgbClr val="000066"/>
-                </a:solidFill>
-                <a:latin typeface="微軟正黑體" pitchFamily="34" charset="-120"/>
-                <a:ea typeface="微軟正黑體" pitchFamily="34" charset="-120"/>
-              </a:rPr>
-              <a:t>永恆裡敬</a:t>
-            </a:r>
-            <a:r>
-              <a:rPr lang="zh-TW" altLang="en-US" sz="4800" b="1" dirty="0">
-                <a:solidFill>
-                  <a:srgbClr val="000066"/>
-                </a:solidFill>
-                <a:latin typeface="微軟正黑體" pitchFamily="34" charset="-120"/>
-                <a:ea typeface="微軟正黑體" pitchFamily="34" charset="-120"/>
-              </a:rPr>
-              <a:t>拜</a:t>
-            </a:r>
-            <a:endParaRPr lang="en-US" altLang="zh-TW" sz="4800" b="1" dirty="0">
-              <a:solidFill>
-                <a:srgbClr val="000066"/>
-              </a:solidFill>
-              <a:latin typeface="微軟正黑體" pitchFamily="34" charset="-120"/>
-              <a:ea typeface="微軟正黑體" pitchFamily="34" charset="-120"/>
-            </a:endParaRPr>
-          </a:p>
-          <a:p>
-            <a:pPr algn="ctr">
-              <a:buNone/>
-            </a:pPr>
-            <a:r>
-              <a:rPr lang="zh-TW" altLang="en-US" sz="4800" b="1" dirty="0">
-                <a:solidFill>
-                  <a:srgbClr val="000066"/>
-                </a:solidFill>
-                <a:latin typeface="微軟正黑體" pitchFamily="34" charset="-120"/>
-                <a:ea typeface="微軟正黑體" pitchFamily="34" charset="-120"/>
-              </a:rPr>
-              <a:t>哈</a:t>
-            </a:r>
-            <a:r>
-              <a:rPr lang="zh-TW" altLang="en-US" sz="4800" b="1" dirty="0">
-                <a:solidFill>
-                  <a:srgbClr val="000066"/>
-                </a:solidFill>
-                <a:latin typeface="微軟正黑體" pitchFamily="34" charset="-120"/>
-                <a:ea typeface="微軟正黑體" pitchFamily="34" charset="-120"/>
-              </a:rPr>
-              <a:t>利路</a:t>
-            </a:r>
-            <a:r>
-              <a:rPr lang="zh-TW" altLang="en-US" sz="4800" b="1" dirty="0">
-                <a:solidFill>
-                  <a:srgbClr val="000066"/>
-                </a:solidFill>
-                <a:latin typeface="微軟正黑體" pitchFamily="34" charset="-120"/>
-                <a:ea typeface="微軟正黑體" pitchFamily="34" charset="-120"/>
-              </a:rPr>
-              <a:t>亞  哈</a:t>
-            </a:r>
-            <a:r>
-              <a:rPr lang="zh-TW" altLang="en-US" sz="4800" b="1" dirty="0">
-                <a:solidFill>
-                  <a:srgbClr val="000066"/>
-                </a:solidFill>
-                <a:latin typeface="微軟正黑體" pitchFamily="34" charset="-120"/>
-                <a:ea typeface="微軟正黑體" pitchFamily="34" charset="-120"/>
-              </a:rPr>
-              <a:t>利路亞</a:t>
-            </a:r>
-          </a:p>
         </p:txBody>
       </p:sp>
     </p:spTree>
     <p:extLst>
       <p:ext uri="{BB962C8B-B14F-4D97-AF65-F5344CB8AC3E}">
-        <p14:creationId xmlns:p14="http://schemas.microsoft.com/office/powerpoint/2010/main" val="806383349"/>
+        <p14:creationId xmlns:p14="http://schemas.microsoft.com/office/powerpoint/2010/main" val="219527717"/>
       </p:ext>
     </p:extLst>
   </p:cSld>
@@ -3755,34 +3502,62 @@
       </p:grpSpPr>
       <p:sp>
         <p:nvSpPr>
-          <p:cNvPr id="4" name="標題 3"/>
-          <p:cNvSpPr>
-            <a:spLocks noGrp="1"/>
-          </p:cNvSpPr>
-          <p:nvPr>
-            <p:ph type="title"/>
-          </p:nvPr>
-        </p:nvSpPr>
-        <p:spPr/>
-        <p:txBody>
-          <a:bodyPr>
+          <p:cNvPr id="5" name="內容版面配置區 4"/>
+          <p:cNvSpPr>
+            <a:spLocks noGrp="1"/>
+          </p:cNvSpPr>
+          <p:nvPr>
+            <p:ph idx="1"/>
+          </p:nvPr>
+        </p:nvSpPr>
+        <p:spPr>
+          <a:xfrm>
+            <a:off x="0" y="1563638"/>
+            <a:ext cx="9144000" cy="1803647"/>
+          </a:xfrm>
+        </p:spPr>
+        <p:txBody>
+          <a:bodyPr anchor="ctr">
             <a:normAutofit/>
           </a:bodyPr>
           <a:lstStyle/>
           <a:p>
-            <a:r>
-              <a:rPr lang="zh-TW" altLang="en-US" sz="4000" b="1" dirty="0">
-                <a:solidFill>
-                  <a:srgbClr val="000066"/>
+            <a:pPr algn="ctr">
+              <a:buNone/>
+            </a:pPr>
+            <a:r>
+              <a:rPr lang="zh-TW" altLang="en-US" sz="4800" b="1" dirty="0">
+                <a:solidFill>
+                  <a:srgbClr val="660033"/>
                 </a:solidFill>
                 <a:latin typeface="微軟正黑體" pitchFamily="34" charset="-120"/>
                 <a:ea typeface="微軟正黑體" pitchFamily="34" charset="-120"/>
               </a:rPr>
-              <a:t>將天敞開</a:t>
-            </a:r>
-            <a:endParaRPr lang="zh-TW" altLang="en-US" sz="4000" b="1" dirty="0">
+              <a:t>天上地下  </a:t>
+            </a:r>
+            <a:r>
+              <a:rPr lang="zh-TW" altLang="en-US" sz="4800" b="1" dirty="0" smtClean="0">
+                <a:solidFill>
+                  <a:srgbClr val="660033"/>
+                </a:solidFill>
+                <a:latin typeface="微軟正黑體" pitchFamily="34" charset="-120"/>
+                <a:ea typeface="微軟正黑體" pitchFamily="34" charset="-120"/>
+              </a:rPr>
+              <a:t>合</a:t>
+            </a:r>
+            <a:r>
+              <a:rPr lang="zh-TW" altLang="en-US" sz="4800" b="1" dirty="0">
+                <a:solidFill>
+                  <a:srgbClr val="660033"/>
+                </a:solidFill>
+                <a:latin typeface="微軟正黑體" pitchFamily="34" charset="-120"/>
+                <a:ea typeface="微軟正黑體" pitchFamily="34" charset="-120"/>
+              </a:rPr>
+              <a:t>一敬拜</a:t>
+            </a:r>
+            <a:endParaRPr lang="en-US" altLang="zh-TW" sz="4800" b="1" dirty="0">
               <a:solidFill>
-                <a:srgbClr val="000066"/>
+                <a:srgbClr val="660033"/>
               </a:solidFill>
               <a:latin typeface="微軟正黑體" pitchFamily="34" charset="-120"/>
               <a:ea typeface="微軟正黑體" pitchFamily="34" charset="-120"/>
@@ -3790,6 +3565,36 @@
           </a:p>
         </p:txBody>
       </p:sp>
+    </p:spTree>
+    <p:extLst>
+      <p:ext uri="{BB962C8B-B14F-4D97-AF65-F5344CB8AC3E}">
+        <p14:creationId xmlns:p14="http://schemas.microsoft.com/office/powerpoint/2010/main" val="2683343871"/>
+      </p:ext>
+    </p:extLst>
+  </p:cSld>
+  <p:clrMapOvr>
+    <a:masterClrMapping/>
+  </p:clrMapOvr>
+</p:sld>
+</file>
+
+<file path=ppt/slides/slide5.xml><?xml version="1.0" encoding="utf-8"?>
+<p:sld xmlns:a="http://schemas.openxmlformats.org/drawingml/2006/main" xmlns:r="http://schemas.openxmlformats.org/officeDocument/2006/relationships" xmlns:p="http://schemas.openxmlformats.org/presentationml/2006/main">
+  <p:cSld>
+    <p:spTree>
+      <p:nvGrpSpPr>
+        <p:cNvPr id="1" name=""/>
+        <p:cNvGrpSpPr/>
+        <p:nvPr/>
+      </p:nvGrpSpPr>
+      <p:grpSpPr>
+        <a:xfrm>
+          <a:off x="0" y="0"/>
+          <a:ext cx="0" cy="0"/>
+          <a:chOff x="0" y="0"/>
+          <a:chExt cx="0" cy="0"/>
+        </a:xfrm>
+      </p:grpSpPr>
       <p:sp>
         <p:nvSpPr>
           <p:cNvPr id="5" name="內容版面配置區 4"/>
@@ -3802,13 +3607,13 @@
         </p:nvSpPr>
         <p:spPr>
           <a:xfrm>
-            <a:off x="0" y="1200150"/>
-            <a:ext cx="9144000" cy="3943350"/>
+            <a:off x="0" y="1563638"/>
+            <a:ext cx="9144000" cy="1803647"/>
           </a:xfrm>
         </p:spPr>
         <p:txBody>
-          <a:bodyPr>
-            <a:noAutofit/>
+          <a:bodyPr anchor="ctr">
+            <a:normAutofit/>
           </a:bodyPr>
           <a:lstStyle/>
           <a:p>
@@ -3818,46 +3623,16 @@
             <a:r>
               <a:rPr lang="zh-TW" altLang="en-US" sz="4800" b="1" dirty="0">
                 <a:solidFill>
-                  <a:srgbClr val="000066"/>
+                  <a:srgbClr val="660033"/>
                 </a:solidFill>
                 <a:latin typeface="微軟正黑體" pitchFamily="34" charset="-120"/>
                 <a:ea typeface="微軟正黑體" pitchFamily="34" charset="-120"/>
               </a:rPr>
-              <a:t>神就在</a:t>
-            </a:r>
-            <a:r>
-              <a:rPr lang="zh-TW" altLang="en-US" sz="4800" b="1" dirty="0">
-                <a:solidFill>
-                  <a:srgbClr val="000066"/>
-                </a:solidFill>
-                <a:latin typeface="微軟正黑體" pitchFamily="34" charset="-120"/>
-                <a:ea typeface="微軟正黑體" pitchFamily="34" charset="-120"/>
-              </a:rPr>
-              <a:t>這裡  我們</a:t>
-            </a:r>
-            <a:r>
-              <a:rPr lang="zh-TW" altLang="en-US" sz="4800" b="1" dirty="0">
-                <a:solidFill>
-                  <a:srgbClr val="000066"/>
-                </a:solidFill>
-                <a:latin typeface="微軟正黑體" pitchFamily="34" charset="-120"/>
-                <a:ea typeface="微軟正黑體" pitchFamily="34" charset="-120"/>
-              </a:rPr>
-              <a:t>歡迎</a:t>
-            </a:r>
-            <a:r>
-              <a:rPr lang="zh-TW" altLang="en-US" sz="4800" b="1" dirty="0">
-                <a:solidFill>
-                  <a:srgbClr val="000066"/>
-                </a:solidFill>
-                <a:latin typeface="微軟正黑體" pitchFamily="34" charset="-120"/>
-                <a:ea typeface="微軟正黑體" pitchFamily="34" charset="-120"/>
-              </a:rPr>
-              <a:t>你</a:t>
+              <a:t>歡呼耶穌基督  聖潔羔羊</a:t>
             </a:r>
             <a:endParaRPr lang="en-US" altLang="zh-TW" sz="4800" b="1" dirty="0">
               <a:solidFill>
-                <a:srgbClr val="000066"/>
+                <a:srgbClr val="660033"/>
               </a:solidFill>
               <a:latin typeface="微軟正黑體" pitchFamily="34" charset="-120"/>
               <a:ea typeface="微軟正黑體" pitchFamily="34" charset="-120"/>
@@ -3870,41 +3645,94 @@
             <a:r>
               <a:rPr lang="zh-TW" altLang="en-US" sz="4800" b="1" dirty="0">
                 <a:solidFill>
-                  <a:srgbClr val="000066"/>
+                  <a:srgbClr val="660033"/>
                 </a:solidFill>
                 <a:latin typeface="微軟正黑體" pitchFamily="34" charset="-120"/>
                 <a:ea typeface="微軟正黑體" pitchFamily="34" charset="-120"/>
               </a:rPr>
-              <a:t>讓</a:t>
-            </a:r>
-            <a:r>
-              <a:rPr lang="zh-TW" altLang="en-US" sz="4800" b="1" dirty="0">
-                <a:solidFill>
-                  <a:srgbClr val="000066"/>
+              <a:t>榮耀歸</a:t>
+            </a:r>
+            <a:r>
+              <a:rPr lang="zh-TW" altLang="en-US" sz="4800" b="1" dirty="0" smtClean="0">
+                <a:solidFill>
+                  <a:srgbClr val="660033"/>
                 </a:solidFill>
                 <a:latin typeface="微軟正黑體" pitchFamily="34" charset="-120"/>
                 <a:ea typeface="微軟正黑體" pitchFamily="34" charset="-120"/>
               </a:rPr>
-              <a:t>一切焦點轉向</a:t>
-            </a:r>
-            <a:r>
-              <a:rPr lang="zh-TW" altLang="en-US" sz="4800" b="1" dirty="0">
-                <a:solidFill>
-                  <a:srgbClr val="000066"/>
+              <a:t>於</a:t>
+            </a:r>
+            <a:r>
+              <a:rPr lang="zh-CN" altLang="en-US" sz="4800" b="1" dirty="0">
+                <a:solidFill>
+                  <a:srgbClr val="660033"/>
                 </a:solidFill>
                 <a:latin typeface="微軟正黑體" pitchFamily="34" charset="-120"/>
                 <a:ea typeface="微軟正黑體" pitchFamily="34" charset="-120"/>
               </a:rPr>
-              <a:t>你</a:t>
+              <a:t>袮</a:t>
             </a:r>
             <a:endParaRPr lang="en-US" altLang="zh-TW" sz="4800" b="1" dirty="0">
               <a:solidFill>
-                <a:srgbClr val="000066"/>
+                <a:srgbClr val="660033"/>
               </a:solidFill>
               <a:latin typeface="微軟正黑體" pitchFamily="34" charset="-120"/>
               <a:ea typeface="微軟正黑體" pitchFamily="34" charset="-120"/>
             </a:endParaRPr>
           </a:p>
+        </p:txBody>
+      </p:sp>
+    </p:spTree>
+    <p:extLst>
+      <p:ext uri="{BB962C8B-B14F-4D97-AF65-F5344CB8AC3E}">
+        <p14:creationId xmlns:p14="http://schemas.microsoft.com/office/powerpoint/2010/main" val="1269564865"/>
+      </p:ext>
+    </p:extLst>
+  </p:cSld>
+  <p:clrMapOvr>
+    <a:masterClrMapping/>
+  </p:clrMapOvr>
+</p:sld>
+</file>
+
+<file path=ppt/slides/slide6.xml><?xml version="1.0" encoding="utf-8"?>
+<p:sld xmlns:a="http://schemas.openxmlformats.org/drawingml/2006/main" xmlns:r="http://schemas.openxmlformats.org/officeDocument/2006/relationships" xmlns:p="http://schemas.openxmlformats.org/presentationml/2006/main">
+  <p:cSld>
+    <p:spTree>
+      <p:nvGrpSpPr>
+        <p:cNvPr id="1" name=""/>
+        <p:cNvGrpSpPr/>
+        <p:nvPr/>
+      </p:nvGrpSpPr>
+      <p:grpSpPr>
+        <a:xfrm>
+          <a:off x="0" y="0"/>
+          <a:ext cx="0" cy="0"/>
+          <a:chOff x="0" y="0"/>
+          <a:chExt cx="0" cy="0"/>
+        </a:xfrm>
+      </p:grpSpPr>
+      <p:sp>
+        <p:nvSpPr>
+          <p:cNvPr id="5" name="內容版面配置區 4"/>
+          <p:cNvSpPr>
+            <a:spLocks noGrp="1"/>
+          </p:cNvSpPr>
+          <p:nvPr>
+            <p:ph idx="1"/>
+          </p:nvPr>
+        </p:nvSpPr>
+        <p:spPr>
+          <a:xfrm>
+            <a:off x="0" y="1563638"/>
+            <a:ext cx="9144000" cy="1803647"/>
+          </a:xfrm>
+        </p:spPr>
+        <p:txBody>
+          <a:bodyPr anchor="ctr">
+            <a:normAutofit/>
+          </a:bodyPr>
+          <a:lstStyle/>
           <a:p>
             <a:pPr algn="ctr">
               <a:buNone/>
@@ -3912,56 +3740,36 @@
             <a:r>
               <a:rPr lang="zh-TW" altLang="en-US" sz="4800" b="1" dirty="0">
                 <a:solidFill>
-                  <a:srgbClr val="000066"/>
+                  <a:srgbClr val="660033"/>
                 </a:solidFill>
                 <a:latin typeface="微軟正黑體" pitchFamily="34" charset="-120"/>
                 <a:ea typeface="微軟正黑體" pitchFamily="34" charset="-120"/>
               </a:rPr>
-              <a:t>神</a:t>
-            </a:r>
-            <a:r>
-              <a:rPr lang="zh-TW" altLang="en-US" sz="4800" b="1" dirty="0">
-                <a:solidFill>
-                  <a:srgbClr val="000066"/>
+              <a:t>天上地下  </a:t>
+            </a:r>
+            <a:r>
+              <a:rPr lang="zh-TW" altLang="en-US" sz="4800" b="1" dirty="0" smtClean="0">
+                <a:solidFill>
+                  <a:srgbClr val="660033"/>
                 </a:solidFill>
                 <a:latin typeface="微軟正黑體" pitchFamily="34" charset="-120"/>
                 <a:ea typeface="微軟正黑體" pitchFamily="34" charset="-120"/>
               </a:rPr>
-              <a:t>就在</a:t>
+              <a:t>在</a:t>
             </a:r>
             <a:r>
               <a:rPr lang="zh-TW" altLang="en-US" sz="4800" b="1" dirty="0">
                 <a:solidFill>
-                  <a:srgbClr val="000066"/>
+                  <a:srgbClr val="660033"/>
                 </a:solidFill>
                 <a:latin typeface="微軟正黑體" pitchFamily="34" charset="-120"/>
                 <a:ea typeface="微軟正黑體" pitchFamily="34" charset="-120"/>
               </a:rPr>
-              <a:t>這裡  我們</a:t>
-            </a:r>
-            <a:r>
-              <a:rPr lang="zh-TW" altLang="en-US" sz="4800" b="1" dirty="0">
-                <a:solidFill>
-                  <a:srgbClr val="000066"/>
-                </a:solidFill>
-                <a:latin typeface="微軟正黑體" pitchFamily="34" charset="-120"/>
-                <a:ea typeface="微軟正黑體" pitchFamily="34" charset="-120"/>
-              </a:rPr>
-              <a:t>歡迎</a:t>
-            </a:r>
-            <a:r>
-              <a:rPr lang="zh-TW" altLang="en-US" sz="4800" b="1" dirty="0">
-                <a:solidFill>
-                  <a:srgbClr val="000066"/>
-                </a:solidFill>
-                <a:latin typeface="微軟正黑體" pitchFamily="34" charset="-120"/>
-                <a:ea typeface="微軟正黑體" pitchFamily="34" charset="-120"/>
-              </a:rPr>
-              <a:t>你</a:t>
+              <a:t>永恆裡敬拜</a:t>
             </a:r>
             <a:endParaRPr lang="en-US" altLang="zh-TW" sz="4800" b="1" dirty="0">
               <a:solidFill>
-                <a:srgbClr val="000066"/>
+                <a:srgbClr val="660033"/>
               </a:solidFill>
               <a:latin typeface="微軟正黑體" pitchFamily="34" charset="-120"/>
               <a:ea typeface="微軟正黑體" pitchFamily="34" charset="-120"/>
@@ -3974,27 +3782,283 @@
             <a:r>
               <a:rPr lang="zh-TW" altLang="en-US" sz="4800" b="1" dirty="0">
                 <a:solidFill>
-                  <a:srgbClr val="000066"/>
+                  <a:srgbClr val="660033"/>
                 </a:solidFill>
                 <a:latin typeface="微軟正黑體" pitchFamily="34" charset="-120"/>
                 <a:ea typeface="微軟正黑體" pitchFamily="34" charset="-120"/>
               </a:rPr>
-              <a:t>寶座</a:t>
-            </a:r>
+              <a:t>哈利路亞  哈利路亞</a:t>
+            </a:r>
+            <a:endParaRPr lang="zh-TW" altLang="en-US" sz="4800" b="1" dirty="0">
+              <a:solidFill>
+                <a:srgbClr val="660033"/>
+              </a:solidFill>
+              <a:latin typeface="微軟正黑體" pitchFamily="34" charset="-120"/>
+              <a:ea typeface="微軟正黑體" pitchFamily="34" charset="-120"/>
+            </a:endParaRPr>
+          </a:p>
+        </p:txBody>
+      </p:sp>
+    </p:spTree>
+    <p:extLst>
+      <p:ext uri="{BB962C8B-B14F-4D97-AF65-F5344CB8AC3E}">
+        <p14:creationId xmlns:p14="http://schemas.microsoft.com/office/powerpoint/2010/main" val="1350486019"/>
+      </p:ext>
+    </p:extLst>
+  </p:cSld>
+  <p:clrMapOvr>
+    <a:masterClrMapping/>
+  </p:clrMapOvr>
+</p:sld>
+</file>
+
+<file path=ppt/slides/slide7.xml><?xml version="1.0" encoding="utf-8"?>
+<p:sld xmlns:a="http://schemas.openxmlformats.org/drawingml/2006/main" xmlns:r="http://schemas.openxmlformats.org/officeDocument/2006/relationships" xmlns:p="http://schemas.openxmlformats.org/presentationml/2006/main">
+  <p:cSld>
+    <p:spTree>
+      <p:nvGrpSpPr>
+        <p:cNvPr id="1" name=""/>
+        <p:cNvGrpSpPr/>
+        <p:nvPr/>
+      </p:nvGrpSpPr>
+      <p:grpSpPr>
+        <a:xfrm>
+          <a:off x="0" y="0"/>
+          <a:ext cx="0" cy="0"/>
+          <a:chOff x="0" y="0"/>
+          <a:chExt cx="0" cy="0"/>
+        </a:xfrm>
+      </p:grpSpPr>
+      <p:sp>
+        <p:nvSpPr>
+          <p:cNvPr id="5" name="內容版面配置區 4"/>
+          <p:cNvSpPr>
+            <a:spLocks noGrp="1"/>
+          </p:cNvSpPr>
+          <p:nvPr>
+            <p:ph idx="1"/>
+          </p:nvPr>
+        </p:nvSpPr>
+        <p:spPr>
+          <a:xfrm>
+            <a:off x="0" y="1563638"/>
+            <a:ext cx="9144000" cy="1803647"/>
+          </a:xfrm>
+        </p:spPr>
+        <p:txBody>
+          <a:bodyPr anchor="ctr">
+            <a:normAutofit/>
+          </a:bodyPr>
+          <a:lstStyle/>
+          <a:p>
+            <a:pPr algn="ctr">
+              <a:buNone/>
+            </a:pPr>
             <a:r>
               <a:rPr lang="zh-TW" altLang="en-US" sz="4800" b="1" dirty="0">
                 <a:solidFill>
-                  <a:srgbClr val="000066"/>
+                  <a:srgbClr val="660033"/>
                 </a:solidFill>
                 <a:latin typeface="微軟正黑體" pitchFamily="34" charset="-120"/>
                 <a:ea typeface="微軟正黑體" pitchFamily="34" charset="-120"/>
               </a:rPr>
-              <a:t>前敬拜不停息</a:t>
-            </a:r>
+              <a:t>神就在這裡  我們歡</a:t>
+            </a:r>
+            <a:r>
+              <a:rPr lang="zh-TW" altLang="en-US" sz="4800" b="1" dirty="0" smtClean="0">
+                <a:solidFill>
+                  <a:srgbClr val="660033"/>
+                </a:solidFill>
+                <a:latin typeface="微軟正黑體" pitchFamily="34" charset="-120"/>
+                <a:ea typeface="微軟正黑體" pitchFamily="34" charset="-120"/>
+              </a:rPr>
+              <a:t>迎</a:t>
+            </a:r>
+            <a:r>
+              <a:rPr lang="zh-CN" altLang="en-US" sz="4800" b="1" dirty="0">
+                <a:solidFill>
+                  <a:srgbClr val="660033"/>
+                </a:solidFill>
+                <a:latin typeface="微軟正黑體" pitchFamily="34" charset="-120"/>
+                <a:ea typeface="微軟正黑體" pitchFamily="34" charset="-120"/>
+              </a:rPr>
+              <a:t>袮</a:t>
+            </a:r>
+            <a:endParaRPr lang="en-US" altLang="zh-TW" sz="4800" b="1" dirty="0">
+              <a:solidFill>
+                <a:srgbClr val="660033"/>
+              </a:solidFill>
+              <a:latin typeface="微軟正黑體" pitchFamily="34" charset="-120"/>
+              <a:ea typeface="微軟正黑體" pitchFamily="34" charset="-120"/>
+            </a:endParaRPr>
+          </a:p>
+          <a:p>
+            <a:pPr algn="ctr">
+              <a:buNone/>
+            </a:pPr>
+            <a:r>
+              <a:rPr lang="zh-TW" altLang="en-US" sz="4800" b="1" dirty="0">
+                <a:solidFill>
+                  <a:srgbClr val="660033"/>
+                </a:solidFill>
+                <a:latin typeface="微軟正黑體" pitchFamily="34" charset="-120"/>
+                <a:ea typeface="微軟正黑體" pitchFamily="34" charset="-120"/>
+              </a:rPr>
+              <a:t>讓一切焦點轉</a:t>
+            </a:r>
+            <a:r>
+              <a:rPr lang="zh-TW" altLang="en-US" sz="4800" b="1" dirty="0" smtClean="0">
+                <a:solidFill>
+                  <a:srgbClr val="660033"/>
+                </a:solidFill>
+                <a:latin typeface="微軟正黑體" pitchFamily="34" charset="-120"/>
+                <a:ea typeface="微軟正黑體" pitchFamily="34" charset="-120"/>
+              </a:rPr>
+              <a:t>向</a:t>
+            </a:r>
+            <a:r>
+              <a:rPr lang="zh-CN" altLang="en-US" sz="4800" b="1" dirty="0">
+                <a:solidFill>
+                  <a:srgbClr val="660033"/>
+                </a:solidFill>
+                <a:latin typeface="微軟正黑體" pitchFamily="34" charset="-120"/>
+                <a:ea typeface="微軟正黑體" pitchFamily="34" charset="-120"/>
+              </a:rPr>
+              <a:t>袮</a:t>
+            </a:r>
+            <a:endParaRPr lang="en-US" altLang="zh-TW" sz="4800" b="1" dirty="0">
+              <a:solidFill>
+                <a:srgbClr val="660033"/>
+              </a:solidFill>
+              <a:latin typeface="微軟正黑體" pitchFamily="34" charset="-120"/>
+              <a:ea typeface="微軟正黑體" pitchFamily="34" charset="-120"/>
+            </a:endParaRPr>
           </a:p>
         </p:txBody>
       </p:sp>
     </p:spTree>
+    <p:extLst>
+      <p:ext uri="{BB962C8B-B14F-4D97-AF65-F5344CB8AC3E}">
+        <p14:creationId xmlns:p14="http://schemas.microsoft.com/office/powerpoint/2010/main" val="2941400850"/>
+      </p:ext>
+    </p:extLst>
+  </p:cSld>
+  <p:clrMapOvr>
+    <a:masterClrMapping/>
+  </p:clrMapOvr>
+</p:sld>
+</file>
+
+<file path=ppt/slides/slide8.xml><?xml version="1.0" encoding="utf-8"?>
+<p:sld xmlns:a="http://schemas.openxmlformats.org/drawingml/2006/main" xmlns:r="http://schemas.openxmlformats.org/officeDocument/2006/relationships" xmlns:p="http://schemas.openxmlformats.org/presentationml/2006/main">
+  <p:cSld>
+    <p:spTree>
+      <p:nvGrpSpPr>
+        <p:cNvPr id="1" name=""/>
+        <p:cNvGrpSpPr/>
+        <p:nvPr/>
+      </p:nvGrpSpPr>
+      <p:grpSpPr>
+        <a:xfrm>
+          <a:off x="0" y="0"/>
+          <a:ext cx="0" cy="0"/>
+          <a:chOff x="0" y="0"/>
+          <a:chExt cx="0" cy="0"/>
+        </a:xfrm>
+      </p:grpSpPr>
+      <p:sp>
+        <p:nvSpPr>
+          <p:cNvPr id="5" name="內容版面配置區 4"/>
+          <p:cNvSpPr>
+            <a:spLocks noGrp="1"/>
+          </p:cNvSpPr>
+          <p:nvPr>
+            <p:ph idx="1"/>
+          </p:nvPr>
+        </p:nvSpPr>
+        <p:spPr>
+          <a:xfrm>
+            <a:off x="0" y="1563638"/>
+            <a:ext cx="9144000" cy="1803647"/>
+          </a:xfrm>
+        </p:spPr>
+        <p:txBody>
+          <a:bodyPr anchor="ctr">
+            <a:normAutofit/>
+          </a:bodyPr>
+          <a:lstStyle/>
+          <a:p>
+            <a:pPr algn="ctr">
+              <a:buNone/>
+            </a:pPr>
+            <a:r>
+              <a:rPr lang="zh-TW" altLang="en-US" sz="4800" b="1" dirty="0">
+                <a:solidFill>
+                  <a:srgbClr val="660033"/>
+                </a:solidFill>
+                <a:latin typeface="微軟正黑體" pitchFamily="34" charset="-120"/>
+                <a:ea typeface="微軟正黑體" pitchFamily="34" charset="-120"/>
+              </a:rPr>
+              <a:t>神就在這裡  我們歡</a:t>
+            </a:r>
+            <a:r>
+              <a:rPr lang="zh-TW" altLang="en-US" sz="4800" b="1" dirty="0" smtClean="0">
+                <a:solidFill>
+                  <a:srgbClr val="660033"/>
+                </a:solidFill>
+                <a:latin typeface="微軟正黑體" pitchFamily="34" charset="-120"/>
+                <a:ea typeface="微軟正黑體" pitchFamily="34" charset="-120"/>
+              </a:rPr>
+              <a:t>迎</a:t>
+            </a:r>
+            <a:r>
+              <a:rPr lang="zh-CN" altLang="en-US" sz="4800" b="1" dirty="0">
+                <a:solidFill>
+                  <a:srgbClr val="660033"/>
+                </a:solidFill>
+                <a:latin typeface="微軟正黑體" pitchFamily="34" charset="-120"/>
+                <a:ea typeface="微軟正黑體" pitchFamily="34" charset="-120"/>
+              </a:rPr>
+              <a:t>袮</a:t>
+            </a:r>
+            <a:endParaRPr lang="en-US" altLang="zh-TW" sz="4800" b="1" dirty="0">
+              <a:solidFill>
+                <a:srgbClr val="660033"/>
+              </a:solidFill>
+              <a:latin typeface="微軟正黑體" pitchFamily="34" charset="-120"/>
+              <a:ea typeface="微軟正黑體" pitchFamily="34" charset="-120"/>
+            </a:endParaRPr>
+          </a:p>
+          <a:p>
+            <a:pPr algn="ctr">
+              <a:buNone/>
+            </a:pPr>
+            <a:r>
+              <a:rPr lang="zh-TW" altLang="en-US" sz="4800" b="1" dirty="0">
+                <a:solidFill>
+                  <a:srgbClr val="660033"/>
+                </a:solidFill>
+                <a:latin typeface="微軟正黑體" pitchFamily="34" charset="-120"/>
+                <a:ea typeface="微軟正黑體" pitchFamily="34" charset="-120"/>
+              </a:rPr>
+              <a:t>寶座前敬拜不停息</a:t>
+            </a:r>
+            <a:endParaRPr lang="zh-TW" altLang="en-US" sz="4800" b="1" dirty="0">
+              <a:solidFill>
+                <a:srgbClr val="660033"/>
+              </a:solidFill>
+              <a:latin typeface="微軟正黑體" pitchFamily="34" charset="-120"/>
+              <a:ea typeface="微軟正黑體" pitchFamily="34" charset="-120"/>
+            </a:endParaRPr>
+          </a:p>
+        </p:txBody>
+      </p:sp>
+    </p:spTree>
+    <p:extLst>
+      <p:ext uri="{BB962C8B-B14F-4D97-AF65-F5344CB8AC3E}">
+        <p14:creationId xmlns:p14="http://schemas.microsoft.com/office/powerpoint/2010/main" val="2957298091"/>
+      </p:ext>
+    </p:extLst>
   </p:cSld>
   <p:clrMapOvr>
     <a:masterClrMapping/>

--- a/將天敞開(崇拜版).pptx
+++ b/將天敞開(崇拜版).pptx
@@ -311,7 +311,7 @@
           <a:p>
             <a:fld id="{5F26EBDC-56AC-4702-A4F8-17F9FEC4370F}" type="datetimeFigureOut">
               <a:rPr lang="zh-TW" altLang="en-US" smtClean="0"/>
-              <a:t>2021/5/22</a:t>
+              <a:t>2022/3/5</a:t>
             </a:fld>
             <a:endParaRPr lang="zh-TW" altLang="en-US"/>
           </a:p>
@@ -476,7 +476,7 @@
           <a:p>
             <a:fld id="{5F26EBDC-56AC-4702-A4F8-17F9FEC4370F}" type="datetimeFigureOut">
               <a:rPr lang="zh-TW" altLang="en-US" smtClean="0"/>
-              <a:t>2021/5/22</a:t>
+              <a:t>2022/3/5</a:t>
             </a:fld>
             <a:endParaRPr lang="zh-TW" altLang="en-US"/>
           </a:p>
@@ -651,7 +651,7 @@
           <a:p>
             <a:fld id="{5F26EBDC-56AC-4702-A4F8-17F9FEC4370F}" type="datetimeFigureOut">
               <a:rPr lang="zh-TW" altLang="en-US" smtClean="0"/>
-              <a:t>2021/5/22</a:t>
+              <a:t>2022/3/5</a:t>
             </a:fld>
             <a:endParaRPr lang="zh-TW" altLang="en-US"/>
           </a:p>
@@ -816,7 +816,7 @@
           <a:p>
             <a:fld id="{5F26EBDC-56AC-4702-A4F8-17F9FEC4370F}" type="datetimeFigureOut">
               <a:rPr lang="zh-TW" altLang="en-US" smtClean="0"/>
-              <a:t>2021/5/22</a:t>
+              <a:t>2022/3/5</a:t>
             </a:fld>
             <a:endParaRPr lang="zh-TW" altLang="en-US"/>
           </a:p>
@@ -1057,7 +1057,7 @@
           <a:p>
             <a:fld id="{5F26EBDC-56AC-4702-A4F8-17F9FEC4370F}" type="datetimeFigureOut">
               <a:rPr lang="zh-TW" altLang="en-US" smtClean="0"/>
-              <a:t>2021/5/22</a:t>
+              <a:t>2022/3/5</a:t>
             </a:fld>
             <a:endParaRPr lang="zh-TW" altLang="en-US"/>
           </a:p>
@@ -1340,7 +1340,7 @@
           <a:p>
             <a:fld id="{5F26EBDC-56AC-4702-A4F8-17F9FEC4370F}" type="datetimeFigureOut">
               <a:rPr lang="zh-TW" altLang="en-US" smtClean="0"/>
-              <a:t>2021/5/22</a:t>
+              <a:t>2022/3/5</a:t>
             </a:fld>
             <a:endParaRPr lang="zh-TW" altLang="en-US"/>
           </a:p>
@@ -1757,7 +1757,7 @@
           <a:p>
             <a:fld id="{5F26EBDC-56AC-4702-A4F8-17F9FEC4370F}" type="datetimeFigureOut">
               <a:rPr lang="zh-TW" altLang="en-US" smtClean="0"/>
-              <a:t>2021/5/22</a:t>
+              <a:t>2022/3/5</a:t>
             </a:fld>
             <a:endParaRPr lang="zh-TW" altLang="en-US"/>
           </a:p>
@@ -1870,7 +1870,7 @@
           <a:p>
             <a:fld id="{5F26EBDC-56AC-4702-A4F8-17F9FEC4370F}" type="datetimeFigureOut">
               <a:rPr lang="zh-TW" altLang="en-US" smtClean="0"/>
-              <a:t>2021/5/22</a:t>
+              <a:t>2022/3/5</a:t>
             </a:fld>
             <a:endParaRPr lang="zh-TW" altLang="en-US"/>
           </a:p>
@@ -1960,7 +1960,7 @@
           <a:p>
             <a:fld id="{5F26EBDC-56AC-4702-A4F8-17F9FEC4370F}" type="datetimeFigureOut">
               <a:rPr lang="zh-TW" altLang="en-US" smtClean="0"/>
-              <a:t>2021/5/22</a:t>
+              <a:t>2022/3/5</a:t>
             </a:fld>
             <a:endParaRPr lang="zh-TW" altLang="en-US"/>
           </a:p>
@@ -2232,7 +2232,7 @@
           <a:p>
             <a:fld id="{5F26EBDC-56AC-4702-A4F8-17F9FEC4370F}" type="datetimeFigureOut">
               <a:rPr lang="zh-TW" altLang="en-US" smtClean="0"/>
-              <a:t>2021/5/22</a:t>
+              <a:t>2022/3/5</a:t>
             </a:fld>
             <a:endParaRPr lang="zh-TW" altLang="en-US"/>
           </a:p>
@@ -2484,7 +2484,7 @@
           <a:p>
             <a:fld id="{5F26EBDC-56AC-4702-A4F8-17F9FEC4370F}" type="datetimeFigureOut">
               <a:rPr lang="zh-TW" altLang="en-US" smtClean="0"/>
-              <a:t>2021/5/22</a:t>
+              <a:t>2022/3/5</a:t>
             </a:fld>
             <a:endParaRPr lang="zh-TW" altLang="en-US"/>
           </a:p>
@@ -2697,7 +2697,7 @@
           <a:p>
             <a:fld id="{5F26EBDC-56AC-4702-A4F8-17F9FEC4370F}" type="datetimeFigureOut">
               <a:rPr lang="zh-TW" altLang="en-US" smtClean="0"/>
-              <a:t>2021/5/22</a:t>
+              <a:t>2022/3/5</a:t>
             </a:fld>
             <a:endParaRPr lang="zh-TW" altLang="en-US"/>
           </a:p>
@@ -3293,6 +3293,72 @@
           </a:p>
         </p:txBody>
       </p:sp>
+      <p:sp>
+        <p:nvSpPr>
+          <p:cNvPr id="3" name="TextBox 2"/>
+          <p:cNvSpPr txBox="1"/>
+          <p:nvPr/>
+        </p:nvSpPr>
+        <p:spPr>
+          <a:xfrm>
+            <a:off x="133" y="4018371"/>
+            <a:ext cx="9143867" cy="600164"/>
+          </a:xfrm>
+          <a:prstGeom prst="rect">
+            <a:avLst/>
+          </a:prstGeom>
+          <a:noFill/>
+        </p:spPr>
+        <p:txBody>
+          <a:bodyPr wrap="square" rtlCol="0" anchor="ctr">
+            <a:spAutoFit/>
+          </a:bodyPr>
+          <a:lstStyle/>
+          <a:p>
+            <a:pPr algn="ctr"/>
+            <a:r>
+              <a:rPr lang="en-US" sz="3300" b="1" dirty="0">
+                <a:solidFill>
+                  <a:srgbClr val="660033"/>
+                </a:solidFill>
+                <a:effectLst/>
+                <a:latin typeface="Microsoft JhengHei" panose="020B0604030504040204" pitchFamily="34" charset="-120"/>
+                <a:ea typeface="Microsoft JhengHei" panose="020B0604030504040204" pitchFamily="34" charset="-120"/>
+              </a:rPr>
+              <a:t>( </a:t>
+            </a:r>
+            <a:r>
+              <a:rPr lang="zh-CN" altLang="en-US" sz="3300" b="1" dirty="0">
+                <a:solidFill>
+                  <a:srgbClr val="660033"/>
+                </a:solidFill>
+                <a:effectLst/>
+                <a:latin typeface="Microsoft JhengHei" panose="020B0604030504040204" pitchFamily="34" charset="-120"/>
+                <a:ea typeface="Microsoft JhengHei" panose="020B0604030504040204" pitchFamily="34" charset="-120"/>
+              </a:rPr>
+              <a:t>正</a:t>
+            </a:r>
+            <a:r>
+              <a:rPr lang="en-US" sz="3300" b="1" dirty="0">
+                <a:solidFill>
+                  <a:srgbClr val="660033"/>
+                </a:solidFill>
+                <a:effectLst/>
+                <a:latin typeface="Microsoft JhengHei" panose="020B0604030504040204" pitchFamily="34" charset="-120"/>
+                <a:ea typeface="Microsoft JhengHei" panose="020B0604030504040204" pitchFamily="34" charset="-120"/>
+              </a:rPr>
+              <a:t> )</a:t>
+            </a:r>
+            <a:endParaRPr lang="vi-VN" sz="3300" b="1" dirty="0">
+              <a:solidFill>
+                <a:srgbClr val="660033"/>
+              </a:solidFill>
+              <a:effectLst/>
+              <a:ea typeface="Microsoft JhengHei" panose="020B0604030504040204" pitchFamily="34" charset="-120"/>
+            </a:endParaRPr>
+          </a:p>
+        </p:txBody>
+      </p:sp>
     </p:spTree>
     <p:extLst>
       <p:ext uri="{BB962C8B-B14F-4D97-AF65-F5344CB8AC3E}">
@@ -3460,12 +3526,71 @@
               </a:rPr>
               <a:t>榮耀君王</a:t>
             </a:r>
-            <a:endParaRPr lang="zh-TW" altLang="en-US" sz="4800" b="1" dirty="0">
+          </a:p>
+        </p:txBody>
+      </p:sp>
+      <p:sp>
+        <p:nvSpPr>
+          <p:cNvPr id="3" name="TextBox 2"/>
+          <p:cNvSpPr txBox="1"/>
+          <p:nvPr/>
+        </p:nvSpPr>
+        <p:spPr>
+          <a:xfrm>
+            <a:off x="133" y="4018371"/>
+            <a:ext cx="9143867" cy="600164"/>
+          </a:xfrm>
+          <a:prstGeom prst="rect">
+            <a:avLst/>
+          </a:prstGeom>
+          <a:noFill/>
+        </p:spPr>
+        <p:txBody>
+          <a:bodyPr wrap="square" rtlCol="0" anchor="ctr">
+            <a:spAutoFit/>
+          </a:bodyPr>
+          <a:lstStyle/>
+          <a:p>
+            <a:pPr algn="ctr"/>
+            <a:r>
+              <a:rPr lang="en-US" sz="3300" b="1" dirty="0">
+                <a:solidFill>
+                  <a:srgbClr val="660033"/>
+                </a:solidFill>
+                <a:effectLst/>
+                <a:latin typeface="Microsoft JhengHei" panose="020B0604030504040204" pitchFamily="34" charset="-120"/>
+                <a:ea typeface="Microsoft JhengHei" panose="020B0604030504040204" pitchFamily="34" charset="-120"/>
+              </a:rPr>
+              <a:t>( </a:t>
+            </a:r>
+            <a:r>
+              <a:rPr lang="zh-CN" altLang="en-US" sz="3300" b="1" dirty="0">
+                <a:solidFill>
+                  <a:srgbClr val="660033"/>
+                </a:solidFill>
+                <a:effectLst/>
+                <a:latin typeface="Microsoft JhengHei" panose="020B0604030504040204" pitchFamily="34" charset="-120"/>
+                <a:ea typeface="Microsoft JhengHei" panose="020B0604030504040204" pitchFamily="34" charset="-120"/>
+              </a:rPr>
+              <a:t>正</a:t>
+            </a:r>
+            <a:r>
+              <a:rPr lang="en-US" sz="3300" b="1" dirty="0">
+                <a:solidFill>
+                  <a:srgbClr val="660033"/>
+                </a:solidFill>
+                <a:effectLst/>
+                <a:latin typeface="Microsoft JhengHei" panose="020B0604030504040204" pitchFamily="34" charset="-120"/>
+                <a:ea typeface="Microsoft JhengHei" panose="020B0604030504040204" pitchFamily="34" charset="-120"/>
+              </a:rPr>
+              <a:t> )</a:t>
+            </a:r>
+            <a:endParaRPr lang="vi-VN" sz="3300" b="1" dirty="0">
               <a:solidFill>
                 <a:srgbClr val="660033"/>
               </a:solidFill>
-              <a:latin typeface="微軟正黑體" pitchFamily="34" charset="-120"/>
-              <a:ea typeface="微軟正黑體" pitchFamily="34" charset="-120"/>
+              <a:effectLst/>
+              <a:ea typeface="Microsoft JhengHei" panose="020B0604030504040204" pitchFamily="34" charset="-120"/>
             </a:endParaRPr>
           </a:p>
         </p:txBody>
@@ -3565,6 +3690,83 @@
           </a:p>
         </p:txBody>
       </p:sp>
+      <p:sp>
+        <p:nvSpPr>
+          <p:cNvPr id="3" name="TextBox 2"/>
+          <p:cNvSpPr txBox="1"/>
+          <p:nvPr/>
+        </p:nvSpPr>
+        <p:spPr>
+          <a:xfrm>
+            <a:off x="133" y="4018371"/>
+            <a:ext cx="9143867" cy="600164"/>
+          </a:xfrm>
+          <a:prstGeom prst="rect">
+            <a:avLst/>
+          </a:prstGeom>
+          <a:noFill/>
+        </p:spPr>
+        <p:txBody>
+          <a:bodyPr wrap="square" rtlCol="0" anchor="ctr">
+            <a:spAutoFit/>
+          </a:bodyPr>
+          <a:lstStyle/>
+          <a:p>
+            <a:pPr algn="ctr"/>
+            <a:r>
+              <a:rPr lang="en-US" sz="3300" b="1" dirty="0">
+                <a:solidFill>
+                  <a:srgbClr val="660033"/>
+                </a:solidFill>
+                <a:effectLst/>
+                <a:latin typeface="Microsoft JhengHei" panose="020B0604030504040204" pitchFamily="34" charset="-120"/>
+                <a:ea typeface="Microsoft JhengHei" panose="020B0604030504040204" pitchFamily="34" charset="-120"/>
+              </a:rPr>
+              <a:t>( </a:t>
+            </a:r>
+            <a:r>
+              <a:rPr lang="zh-CN" altLang="en-US" sz="3300" b="1" dirty="0" smtClean="0">
+                <a:solidFill>
+                  <a:srgbClr val="660033"/>
+                </a:solidFill>
+                <a:effectLst/>
+                <a:latin typeface="Microsoft JhengHei" panose="020B0604030504040204" pitchFamily="34" charset="-120"/>
+                <a:ea typeface="Microsoft JhengHei" panose="020B0604030504040204" pitchFamily="34" charset="-120"/>
+              </a:rPr>
+              <a:t>副</a:t>
+            </a:r>
+            <a:r>
+              <a:rPr lang="en-US" sz="3300" b="1" dirty="0" smtClean="0">
+                <a:solidFill>
+                  <a:srgbClr val="660033"/>
+                </a:solidFill>
+                <a:effectLst/>
+                <a:latin typeface="Microsoft JhengHei" panose="020B0604030504040204" pitchFamily="34" charset="-120"/>
+                <a:ea typeface="Microsoft JhengHei" panose="020B0604030504040204" pitchFamily="34" charset="-120"/>
+              </a:rPr>
+              <a:t> </a:t>
+            </a:r>
+            <a:r>
+              <a:rPr lang="en-US" sz="3300" b="1" dirty="0">
+                <a:solidFill>
+                  <a:srgbClr val="660033"/>
+                </a:solidFill>
+                <a:effectLst/>
+                <a:latin typeface="Microsoft JhengHei" panose="020B0604030504040204" pitchFamily="34" charset="-120"/>
+                <a:ea typeface="Microsoft JhengHei" panose="020B0604030504040204" pitchFamily="34" charset="-120"/>
+              </a:rPr>
+              <a:t>)</a:t>
+            </a:r>
+            <a:endParaRPr lang="vi-VN" sz="3300" b="1" dirty="0">
+              <a:solidFill>
+                <a:srgbClr val="660033"/>
+              </a:solidFill>
+              <a:effectLst/>
+              <a:ea typeface="Microsoft JhengHei" panose="020B0604030504040204" pitchFamily="34" charset="-120"/>
+            </a:endParaRPr>
+          </a:p>
+        </p:txBody>
+      </p:sp>
     </p:spTree>
     <p:extLst>
       <p:ext uri="{BB962C8B-B14F-4D97-AF65-F5344CB8AC3E}">
@@ -3682,6 +3884,83 @@
           </a:p>
         </p:txBody>
       </p:sp>
+      <p:sp>
+        <p:nvSpPr>
+          <p:cNvPr id="3" name="TextBox 2"/>
+          <p:cNvSpPr txBox="1"/>
+          <p:nvPr/>
+        </p:nvSpPr>
+        <p:spPr>
+          <a:xfrm>
+            <a:off x="133" y="4018371"/>
+            <a:ext cx="9143867" cy="600164"/>
+          </a:xfrm>
+          <a:prstGeom prst="rect">
+            <a:avLst/>
+          </a:prstGeom>
+          <a:noFill/>
+        </p:spPr>
+        <p:txBody>
+          <a:bodyPr wrap="square" rtlCol="0" anchor="ctr">
+            <a:spAutoFit/>
+          </a:bodyPr>
+          <a:lstStyle/>
+          <a:p>
+            <a:pPr algn="ctr"/>
+            <a:r>
+              <a:rPr lang="en-US" sz="3300" b="1" dirty="0">
+                <a:solidFill>
+                  <a:srgbClr val="660033"/>
+                </a:solidFill>
+                <a:effectLst/>
+                <a:latin typeface="Microsoft JhengHei" panose="020B0604030504040204" pitchFamily="34" charset="-120"/>
+                <a:ea typeface="Microsoft JhengHei" panose="020B0604030504040204" pitchFamily="34" charset="-120"/>
+              </a:rPr>
+              <a:t>( </a:t>
+            </a:r>
+            <a:r>
+              <a:rPr lang="zh-CN" altLang="en-US" sz="3300" b="1" dirty="0" smtClean="0">
+                <a:solidFill>
+                  <a:srgbClr val="660033"/>
+                </a:solidFill>
+                <a:effectLst/>
+                <a:latin typeface="Microsoft JhengHei" panose="020B0604030504040204" pitchFamily="34" charset="-120"/>
+                <a:ea typeface="Microsoft JhengHei" panose="020B0604030504040204" pitchFamily="34" charset="-120"/>
+              </a:rPr>
+              <a:t>副</a:t>
+            </a:r>
+            <a:r>
+              <a:rPr lang="en-US" sz="3300" b="1" dirty="0" smtClean="0">
+                <a:solidFill>
+                  <a:srgbClr val="660033"/>
+                </a:solidFill>
+                <a:effectLst/>
+                <a:latin typeface="Microsoft JhengHei" panose="020B0604030504040204" pitchFamily="34" charset="-120"/>
+                <a:ea typeface="Microsoft JhengHei" panose="020B0604030504040204" pitchFamily="34" charset="-120"/>
+              </a:rPr>
+              <a:t> </a:t>
+            </a:r>
+            <a:r>
+              <a:rPr lang="en-US" sz="3300" b="1" dirty="0">
+                <a:solidFill>
+                  <a:srgbClr val="660033"/>
+                </a:solidFill>
+                <a:effectLst/>
+                <a:latin typeface="Microsoft JhengHei" panose="020B0604030504040204" pitchFamily="34" charset="-120"/>
+                <a:ea typeface="Microsoft JhengHei" panose="020B0604030504040204" pitchFamily="34" charset="-120"/>
+              </a:rPr>
+              <a:t>)</a:t>
+            </a:r>
+            <a:endParaRPr lang="vi-VN" sz="3300" b="1" dirty="0">
+              <a:solidFill>
+                <a:srgbClr val="660033"/>
+              </a:solidFill>
+              <a:effectLst/>
+              <a:ea typeface="Microsoft JhengHei" panose="020B0604030504040204" pitchFamily="34" charset="-120"/>
+            </a:endParaRPr>
+          </a:p>
+        </p:txBody>
+      </p:sp>
     </p:spTree>
     <p:extLst>
       <p:ext uri="{BB962C8B-B14F-4D97-AF65-F5344CB8AC3E}">
@@ -3789,12 +4068,82 @@
               </a:rPr>
               <a:t>哈利路亞  哈利路亞</a:t>
             </a:r>
-            <a:endParaRPr lang="zh-TW" altLang="en-US" sz="4800" b="1" dirty="0">
+          </a:p>
+        </p:txBody>
+      </p:sp>
+      <p:sp>
+        <p:nvSpPr>
+          <p:cNvPr id="3" name="TextBox 2"/>
+          <p:cNvSpPr txBox="1"/>
+          <p:nvPr/>
+        </p:nvSpPr>
+        <p:spPr>
+          <a:xfrm>
+            <a:off x="133" y="4018371"/>
+            <a:ext cx="9143867" cy="600164"/>
+          </a:xfrm>
+          <a:prstGeom prst="rect">
+            <a:avLst/>
+          </a:prstGeom>
+          <a:noFill/>
+        </p:spPr>
+        <p:txBody>
+          <a:bodyPr wrap="square" rtlCol="0" anchor="ctr">
+            <a:spAutoFit/>
+          </a:bodyPr>
+          <a:lstStyle/>
+          <a:p>
+            <a:pPr algn="ctr"/>
+            <a:r>
+              <a:rPr lang="en-US" sz="3300" b="1" dirty="0">
+                <a:solidFill>
+                  <a:srgbClr val="660033"/>
+                </a:solidFill>
+                <a:effectLst/>
+                <a:latin typeface="Microsoft JhengHei" panose="020B0604030504040204" pitchFamily="34" charset="-120"/>
+                <a:ea typeface="Microsoft JhengHei" panose="020B0604030504040204" pitchFamily="34" charset="-120"/>
+              </a:rPr>
+              <a:t>( </a:t>
+            </a:r>
+            <a:r>
+              <a:rPr lang="zh-CN" altLang="en-US" sz="3300" b="1" dirty="0" smtClean="0">
+                <a:solidFill>
+                  <a:srgbClr val="660033"/>
+                </a:solidFill>
+                <a:effectLst/>
+                <a:latin typeface="Microsoft JhengHei" panose="020B0604030504040204" pitchFamily="34" charset="-120"/>
+                <a:ea typeface="Microsoft JhengHei" panose="020B0604030504040204" pitchFamily="34" charset="-120"/>
+              </a:rPr>
+              <a:t>副</a:t>
+            </a:r>
+            <a:r>
+              <a:rPr lang="en-US" sz="3300" b="1" dirty="0" smtClean="0">
+                <a:solidFill>
+                  <a:srgbClr val="660033"/>
+                </a:solidFill>
+                <a:effectLst/>
+                <a:latin typeface="Microsoft JhengHei" panose="020B0604030504040204" pitchFamily="34" charset="-120"/>
+                <a:ea typeface="Microsoft JhengHei" panose="020B0604030504040204" pitchFamily="34" charset="-120"/>
+              </a:rPr>
+              <a:t> </a:t>
+            </a:r>
+            <a:r>
+              <a:rPr lang="en-US" sz="3300" b="1" dirty="0">
+                <a:solidFill>
+                  <a:srgbClr val="660033"/>
+                </a:solidFill>
+                <a:effectLst/>
+                <a:latin typeface="Microsoft JhengHei" panose="020B0604030504040204" pitchFamily="34" charset="-120"/>
+                <a:ea typeface="Microsoft JhengHei" panose="020B0604030504040204" pitchFamily="34" charset="-120"/>
+              </a:rPr>
+              <a:t>)</a:t>
+            </a:r>
+            <a:endParaRPr lang="vi-VN" sz="3300" b="1" dirty="0">
               <a:solidFill>
                 <a:srgbClr val="660033"/>
               </a:solidFill>
-              <a:latin typeface="微軟正黑體" pitchFamily="34" charset="-120"/>
-              <a:ea typeface="微軟正黑體" pitchFamily="34" charset="-120"/>
+              <a:effectLst/>
+              <a:ea typeface="Microsoft JhengHei" panose="020B0604030504040204" pitchFamily="34" charset="-120"/>
             </a:endParaRPr>
           </a:p>
         </p:txBody>
@@ -3936,6 +4285,83 @@
           </a:p>
         </p:txBody>
       </p:sp>
+      <p:sp>
+        <p:nvSpPr>
+          <p:cNvPr id="3" name="TextBox 2"/>
+          <p:cNvSpPr txBox="1"/>
+          <p:nvPr/>
+        </p:nvSpPr>
+        <p:spPr>
+          <a:xfrm>
+            <a:off x="133" y="4018371"/>
+            <a:ext cx="9143867" cy="600164"/>
+          </a:xfrm>
+          <a:prstGeom prst="rect">
+            <a:avLst/>
+          </a:prstGeom>
+          <a:noFill/>
+        </p:spPr>
+        <p:txBody>
+          <a:bodyPr wrap="square" rtlCol="0" anchor="ctr">
+            <a:spAutoFit/>
+          </a:bodyPr>
+          <a:lstStyle/>
+          <a:p>
+            <a:pPr algn="ctr"/>
+            <a:r>
+              <a:rPr lang="en-US" sz="3300" b="1" dirty="0">
+                <a:solidFill>
+                  <a:srgbClr val="660033"/>
+                </a:solidFill>
+                <a:effectLst/>
+                <a:latin typeface="Microsoft JhengHei" panose="020B0604030504040204" pitchFamily="34" charset="-120"/>
+                <a:ea typeface="Microsoft JhengHei" panose="020B0604030504040204" pitchFamily="34" charset="-120"/>
+              </a:rPr>
+              <a:t>( </a:t>
+            </a:r>
+            <a:r>
+              <a:rPr lang="zh-CN" altLang="en-US" sz="3300" b="1" dirty="0">
+                <a:solidFill>
+                  <a:srgbClr val="660033"/>
+                </a:solidFill>
+                <a:effectLst/>
+                <a:latin typeface="Microsoft JhengHei" panose="020B0604030504040204" pitchFamily="34" charset="-120"/>
+                <a:ea typeface="Microsoft JhengHei" panose="020B0604030504040204" pitchFamily="34" charset="-120"/>
+              </a:rPr>
+              <a:t>橋</a:t>
+            </a:r>
+            <a:r>
+              <a:rPr lang="en-US" sz="3300" b="1" dirty="0" smtClean="0">
+                <a:solidFill>
+                  <a:srgbClr val="660033"/>
+                </a:solidFill>
+                <a:effectLst/>
+                <a:latin typeface="Microsoft JhengHei" panose="020B0604030504040204" pitchFamily="34" charset="-120"/>
+                <a:ea typeface="Microsoft JhengHei" panose="020B0604030504040204" pitchFamily="34" charset="-120"/>
+              </a:rPr>
+              <a:t> </a:t>
+            </a:r>
+            <a:r>
+              <a:rPr lang="en-US" sz="3300" b="1" dirty="0">
+                <a:solidFill>
+                  <a:srgbClr val="660033"/>
+                </a:solidFill>
+                <a:effectLst/>
+                <a:latin typeface="Microsoft JhengHei" panose="020B0604030504040204" pitchFamily="34" charset="-120"/>
+                <a:ea typeface="Microsoft JhengHei" panose="020B0604030504040204" pitchFamily="34" charset="-120"/>
+              </a:rPr>
+              <a:t>)</a:t>
+            </a:r>
+            <a:endParaRPr lang="vi-VN" sz="3300" b="1" dirty="0">
+              <a:solidFill>
+                <a:srgbClr val="660033"/>
+              </a:solidFill>
+              <a:effectLst/>
+              <a:ea typeface="Microsoft JhengHei" panose="020B0604030504040204" pitchFamily="34" charset="-120"/>
+            </a:endParaRPr>
+          </a:p>
+        </p:txBody>
+      </p:sp>
     </p:spTree>
     <p:extLst>
       <p:ext uri="{BB962C8B-B14F-4D97-AF65-F5344CB8AC3E}">
@@ -4043,12 +4469,82 @@
               </a:rPr>
               <a:t>寶座前敬拜不停息</a:t>
             </a:r>
-            <a:endParaRPr lang="zh-TW" altLang="en-US" sz="4800" b="1" dirty="0">
+          </a:p>
+        </p:txBody>
+      </p:sp>
+      <p:sp>
+        <p:nvSpPr>
+          <p:cNvPr id="3" name="TextBox 2"/>
+          <p:cNvSpPr txBox="1"/>
+          <p:nvPr/>
+        </p:nvSpPr>
+        <p:spPr>
+          <a:xfrm>
+            <a:off x="133" y="4018371"/>
+            <a:ext cx="9143867" cy="600164"/>
+          </a:xfrm>
+          <a:prstGeom prst="rect">
+            <a:avLst/>
+          </a:prstGeom>
+          <a:noFill/>
+        </p:spPr>
+        <p:txBody>
+          <a:bodyPr wrap="square" rtlCol="0" anchor="ctr">
+            <a:spAutoFit/>
+          </a:bodyPr>
+          <a:lstStyle/>
+          <a:p>
+            <a:pPr algn="ctr"/>
+            <a:r>
+              <a:rPr lang="en-US" sz="3300" b="1" dirty="0">
+                <a:solidFill>
+                  <a:srgbClr val="660033"/>
+                </a:solidFill>
+                <a:effectLst/>
+                <a:latin typeface="Microsoft JhengHei" panose="020B0604030504040204" pitchFamily="34" charset="-120"/>
+                <a:ea typeface="Microsoft JhengHei" panose="020B0604030504040204" pitchFamily="34" charset="-120"/>
+              </a:rPr>
+              <a:t>( </a:t>
+            </a:r>
+            <a:r>
+              <a:rPr lang="zh-CN" altLang="en-US" sz="3300" b="1" dirty="0">
+                <a:solidFill>
+                  <a:srgbClr val="660033"/>
+                </a:solidFill>
+                <a:effectLst/>
+                <a:latin typeface="Microsoft JhengHei" panose="020B0604030504040204" pitchFamily="34" charset="-120"/>
+                <a:ea typeface="Microsoft JhengHei" panose="020B0604030504040204" pitchFamily="34" charset="-120"/>
+              </a:rPr>
+              <a:t>橋</a:t>
+            </a:r>
+            <a:r>
+              <a:rPr lang="en-US" sz="3300" b="1" dirty="0" smtClean="0">
+                <a:solidFill>
+                  <a:srgbClr val="660033"/>
+                </a:solidFill>
+                <a:effectLst/>
+                <a:latin typeface="Microsoft JhengHei" panose="020B0604030504040204" pitchFamily="34" charset="-120"/>
+                <a:ea typeface="Microsoft JhengHei" panose="020B0604030504040204" pitchFamily="34" charset="-120"/>
+              </a:rPr>
+              <a:t> </a:t>
+            </a:r>
+            <a:r>
+              <a:rPr lang="en-US" sz="3300" b="1" dirty="0">
+                <a:solidFill>
+                  <a:srgbClr val="660033"/>
+                </a:solidFill>
+                <a:effectLst/>
+                <a:latin typeface="Microsoft JhengHei" panose="020B0604030504040204" pitchFamily="34" charset="-120"/>
+                <a:ea typeface="Microsoft JhengHei" panose="020B0604030504040204" pitchFamily="34" charset="-120"/>
+              </a:rPr>
+              <a:t>)</a:t>
+            </a:r>
+            <a:endParaRPr lang="vi-VN" sz="3300" b="1" dirty="0">
               <a:solidFill>
                 <a:srgbClr val="660033"/>
               </a:solidFill>
-              <a:latin typeface="微軟正黑體" pitchFamily="34" charset="-120"/>
-              <a:ea typeface="微軟正黑體" pitchFamily="34" charset="-120"/>
+              <a:effectLst/>
+              <a:ea typeface="Microsoft JhengHei" panose="020B0604030504040204" pitchFamily="34" charset="-120"/>
             </a:endParaRPr>
           </a:p>
         </p:txBody>
